--- a/sources/relaxation methods.pptx
+++ b/sources/relaxation methods.pptx
@@ -25,7 +25,10 @@
     <p:sldId id="293" r:id="rId19"/>
     <p:sldId id="294" r:id="rId20"/>
     <p:sldId id="295" r:id="rId21"/>
-    <p:sldId id="296" r:id="rId22"/>
+    <p:sldId id="298" r:id="rId22"/>
+    <p:sldId id="300" r:id="rId23"/>
+    <p:sldId id="301" r:id="rId24"/>
+    <p:sldId id="299" r:id="rId25"/>
   </p:sldIdLst>
   <p:sldSz cx="12192000" cy="6858000"/>
   <p:notesSz cx="6858000" cy="9144000"/>
@@ -1542,7 +1545,7 @@
             <a:fld id="{48A87A34-81AB-432B-8DAE-1953F412C126}" type="datetimeFigureOut">
               <a:rPr lang="en-US" dirty="0"/>
               <a:pPr/>
-              <a:t>12/3/2023</a:t>
+              <a:t>12/4/2023</a:t>
             </a:fld>
             <a:endParaRPr lang="en-US" dirty="0"/>
           </a:p>
@@ -2996,7 +2999,7 @@
           <a:p>
             <a:fld id="{48A87A34-81AB-432B-8DAE-1953F412C126}" type="datetimeFigureOut">
               <a:rPr lang="en-US" dirty="0"/>
-              <a:t>12/3/2023</a:t>
+              <a:t>12/4/2023</a:t>
             </a:fld>
             <a:endParaRPr lang="en-US" dirty="0"/>
           </a:p>
@@ -4444,7 +4447,7 @@
           <a:p>
             <a:fld id="{48A87A34-81AB-432B-8DAE-1953F412C126}" type="datetimeFigureOut">
               <a:rPr lang="en-US" dirty="0"/>
-              <a:t>12/3/2023</a:t>
+              <a:t>12/4/2023</a:t>
             </a:fld>
             <a:endParaRPr lang="en-US" dirty="0"/>
           </a:p>
@@ -5894,7 +5897,7 @@
           <a:p>
             <a:fld id="{48A87A34-81AB-432B-8DAE-1953F412C126}" type="datetimeFigureOut">
               <a:rPr lang="en-US" dirty="0"/>
-              <a:t>12/3/2023</a:t>
+              <a:t>12/4/2023</a:t>
             </a:fld>
             <a:endParaRPr lang="en-US" dirty="0"/>
           </a:p>
@@ -7397,7 +7400,7 @@
           <a:p>
             <a:fld id="{48A87A34-81AB-432B-8DAE-1953F412C126}" type="datetimeFigureOut">
               <a:rPr lang="en-US" dirty="0"/>
-              <a:t>12/3/2023</a:t>
+              <a:t>12/4/2023</a:t>
             </a:fld>
             <a:endParaRPr lang="en-US" dirty="0"/>
           </a:p>
@@ -8913,7 +8916,7 @@
           <a:p>
             <a:fld id="{48A87A34-81AB-432B-8DAE-1953F412C126}" type="datetimeFigureOut">
               <a:rPr lang="en-US" dirty="0"/>
-              <a:t>12/3/2023</a:t>
+              <a:t>12/4/2023</a:t>
             </a:fld>
             <a:endParaRPr lang="en-US" dirty="0"/>
           </a:p>
@@ -10573,7 +10576,7 @@
           <a:p>
             <a:fld id="{48A87A34-81AB-432B-8DAE-1953F412C126}" type="datetimeFigureOut">
               <a:rPr lang="en-US" dirty="0"/>
-              <a:t>12/3/2023</a:t>
+              <a:t>12/4/2023</a:t>
             </a:fld>
             <a:endParaRPr lang="en-US" dirty="0"/>
           </a:p>
@@ -11966,7 +11969,7 @@
           <a:p>
             <a:fld id="{48A87A34-81AB-432B-8DAE-1953F412C126}" type="datetimeFigureOut">
               <a:rPr lang="en-US" dirty="0"/>
-              <a:t>12/3/2023</a:t>
+              <a:t>12/4/2023</a:t>
             </a:fld>
             <a:endParaRPr lang="en-US" dirty="0"/>
           </a:p>
@@ -12061,7 +12064,7 @@
           <a:p>
             <a:fld id="{48A87A34-81AB-432B-8DAE-1953F412C126}" type="datetimeFigureOut">
               <a:rPr lang="en-US" dirty="0"/>
-              <a:t>12/3/2023</a:t>
+              <a:t>12/4/2023</a:t>
             </a:fld>
             <a:endParaRPr lang="en-US" dirty="0"/>
           </a:p>
@@ -13582,7 +13585,7 @@
           <a:p>
             <a:fld id="{48A87A34-81AB-432B-8DAE-1953F412C126}" type="datetimeFigureOut">
               <a:rPr lang="en-US" dirty="0"/>
-              <a:t>12/3/2023</a:t>
+              <a:t>12/4/2023</a:t>
             </a:fld>
             <a:endParaRPr lang="en-US" dirty="0"/>
           </a:p>
@@ -15113,7 +15116,7 @@
           <a:p>
             <a:fld id="{48A87A34-81AB-432B-8DAE-1953F412C126}" type="datetimeFigureOut">
               <a:rPr lang="en-US" dirty="0"/>
-              <a:t>12/3/2023</a:t>
+              <a:t>12/4/2023</a:t>
             </a:fld>
             <a:endParaRPr lang="en-US" dirty="0"/>
           </a:p>
@@ -15332,7 +15335,7 @@
             <a:fld id="{48A87A34-81AB-432B-8DAE-1953F412C126}" type="datetimeFigureOut">
               <a:rPr lang="en-US" dirty="0"/>
               <a:pPr/>
-              <a:t>12/3/2023</a:t>
+              <a:t>12/4/2023</a:t>
             </a:fld>
             <a:endParaRPr lang="en-US" dirty="0"/>
           </a:p>
@@ -17914,14 +17917,15 @@
           <a:lstStyle/>
           <a:p>
             <a:r>
-              <a:rPr lang="zh-CN" altLang="en-US" sz="4000" dirty="0"/>
-              <a:t>问题定义</a:t>
+              <a:rPr lang="en-US" altLang="zh-CN" sz="4000" dirty="0"/>
+              <a:t>Problem Definition</a:t>
             </a:r>
+            <a:endParaRPr lang="zh-CN" altLang="en-US" sz="4000" dirty="0"/>
           </a:p>
         </p:txBody>
       </p:sp>
-      <mc:AlternateContent xmlns:mc="http://schemas.openxmlformats.org/markup-compatibility/2006">
-        <mc:Choice xmlns:a14="http://schemas.microsoft.com/office/drawing/2010/main" Requires="a14">
+      <mc:AlternateContent xmlns:mc="http://schemas.openxmlformats.org/markup-compatibility/2006" xmlns:a14="http://schemas.microsoft.com/office/drawing/2010/main">
+        <mc:Choice Requires="a14">
           <p:sp>
             <p:nvSpPr>
               <p:cNvPr id="7" name="内容占位符 6">
@@ -18408,7 +18412,7 @@
             </p:txBody>
           </p:sp>
         </mc:Choice>
-        <mc:Fallback>
+        <mc:Fallback xmlns="">
           <p:sp>
             <p:nvSpPr>
               <p:cNvPr id="7" name="内容占位符 6">
@@ -18586,36 +18590,6 @@
           <a:chExt cx="0" cy="0"/>
         </a:xfrm>
       </p:grpSpPr>
-      <p:pic>
-        <p:nvPicPr>
-          <p:cNvPr id="6" name="图片 5">
-            <a:extLst>
-              <a:ext uri="{FF2B5EF4-FFF2-40B4-BE49-F238E27FC236}">
-                <a16:creationId xmlns:a16="http://schemas.microsoft.com/office/drawing/2014/main" id="{F97CE91A-809F-F8FF-8CA1-761D3115A200}"/>
-              </a:ext>
-            </a:extLst>
-          </p:cNvPr>
-          <p:cNvPicPr>
-            <a:picLocks noChangeAspect="1"/>
-          </p:cNvPicPr>
-          <p:nvPr/>
-        </p:nvPicPr>
-        <p:blipFill>
-          <a:blip r:embed="rId2"/>
-          <a:stretch>
-            <a:fillRect/>
-          </a:stretch>
-        </p:blipFill>
-        <p:spPr>
-          <a:xfrm>
-            <a:off x="2574544" y="1975757"/>
-            <a:ext cx="7042912" cy="2993572"/>
-          </a:xfrm>
-          <a:prstGeom prst="rect">
-            <a:avLst/>
-          </a:prstGeom>
-        </p:spPr>
-      </p:pic>
       <mc:AlternateContent xmlns:mc="http://schemas.openxmlformats.org/markup-compatibility/2006">
         <mc:Choice xmlns:a14="http://schemas.microsoft.com/office/drawing/2010/main" Requires="a14">
           <p:sp>
@@ -18632,8 +18606,8 @@
             </p:nvSpPr>
             <p:spPr>
               <a:xfrm>
-                <a:off x="3688739" y="800099"/>
-                <a:ext cx="4814523" cy="707886"/>
+                <a:off x="3647862" y="696682"/>
+                <a:ext cx="4896277" cy="707886"/>
               </a:xfrm>
               <a:prstGeom prst="rect">
                 <a:avLst/>
@@ -18656,13 +18630,10 @@
                       <m:t>0</m:t>
                     </m:r>
                     <m:r>
-                      <m:rPr>
-                        <m:lit/>
-                      </m:rPr>
                       <a:rPr lang="en-US" altLang="zh-CN" sz="4000" b="0" i="1" dirty="0" smtClean="0">
                         <a:latin typeface="Cambria Math" panose="02040503050406030204" pitchFamily="18" charset="0"/>
                       </a:rPr>
-                      <m:t>-</m:t>
+                      <m:t>/</m:t>
                     </m:r>
                     <m:r>
                       <a:rPr lang="en-US" altLang="zh-CN" sz="4000" b="0" i="1" dirty="0" smtClean="0">
@@ -18698,16 +18669,16 @@
             </p:nvSpPr>
             <p:spPr>
               <a:xfrm>
-                <a:off x="3688739" y="800099"/>
-                <a:ext cx="4814523" cy="707886"/>
+                <a:off x="3647862" y="696682"/>
+                <a:ext cx="4896277" cy="707886"/>
               </a:xfrm>
               <a:prstGeom prst="rect">
                 <a:avLst/>
               </a:prstGeom>
               <a:blipFill>
-                <a:blip r:embed="rId3"/>
+                <a:blip r:embed="rId2"/>
                 <a:stretch>
-                  <a:fillRect t="-15517" r="-4051" b="-36207"/>
+                  <a:fillRect t="-15517" r="-3856" b="-36207"/>
                 </a:stretch>
               </a:blipFill>
             </p:spPr>
@@ -18726,6 +18697,36 @@
           </p:sp>
         </mc:Fallback>
       </mc:AlternateContent>
+      <p:pic>
+        <p:nvPicPr>
+          <p:cNvPr id="13" name="图片 12">
+            <a:extLst>
+              <a:ext uri="{FF2B5EF4-FFF2-40B4-BE49-F238E27FC236}">
+                <a16:creationId xmlns:a16="http://schemas.microsoft.com/office/drawing/2014/main" id="{A48D7AF4-C2D8-D798-E624-B5716A559E81}"/>
+              </a:ext>
+            </a:extLst>
+          </p:cNvPr>
+          <p:cNvPicPr>
+            <a:picLocks noChangeAspect="1"/>
+          </p:cNvPicPr>
+          <p:nvPr/>
+        </p:nvPicPr>
+        <p:blipFill>
+          <a:blip r:embed="rId3"/>
+          <a:stretch>
+            <a:fillRect/>
+          </a:stretch>
+        </p:blipFill>
+        <p:spPr>
+          <a:xfrm>
+            <a:off x="3645676" y="2014527"/>
+            <a:ext cx="4900648" cy="2828946"/>
+          </a:xfrm>
+          <a:prstGeom prst="rect">
+            <a:avLst/>
+          </a:prstGeom>
+        </p:spPr>
+      </p:pic>
     </p:spTree>
     <p:extLst>
       <p:ext uri="{BB962C8B-B14F-4D97-AF65-F5344CB8AC3E}">
@@ -18756,10 +18757,1414 @@
           <a:chExt cx="0" cy="0"/>
         </a:xfrm>
       </p:grpSpPr>
+      <p:sp>
+        <p:nvSpPr>
+          <p:cNvPr id="2" name="文本框 1">
+            <a:extLst>
+              <a:ext uri="{FF2B5EF4-FFF2-40B4-BE49-F238E27FC236}">
+                <a16:creationId xmlns:a16="http://schemas.microsoft.com/office/drawing/2014/main" id="{AE145251-C885-455A-ADFF-62B7F5CBB7B6}"/>
+              </a:ext>
+            </a:extLst>
+          </p:cNvPr>
+          <p:cNvSpPr txBox="1"/>
+          <p:nvPr/>
+        </p:nvSpPr>
+        <p:spPr>
+          <a:xfrm>
+            <a:off x="3345406" y="680357"/>
+            <a:ext cx="5501186" cy="707886"/>
+          </a:xfrm>
+          <a:prstGeom prst="rect">
+            <a:avLst/>
+          </a:prstGeom>
+          <a:noFill/>
+        </p:spPr>
+        <p:txBody>
+          <a:bodyPr wrap="none" rtlCol="0">
+            <a:spAutoFit/>
+          </a:bodyPr>
+          <a:lstStyle/>
+          <a:p>
+            <a:pPr algn="ctr"/>
+            <a:r>
+              <a:rPr lang="en-US" altLang="zh-CN" sz="4000" dirty="0"/>
+              <a:t>Two ways of relaxation</a:t>
+            </a:r>
+            <a:endParaRPr lang="zh-CN" altLang="en-US" sz="4000" dirty="0"/>
+          </a:p>
+        </p:txBody>
+      </p:sp>
+      <p:pic>
+        <p:nvPicPr>
+          <p:cNvPr id="5" name="图片 4">
+            <a:extLst>
+              <a:ext uri="{FF2B5EF4-FFF2-40B4-BE49-F238E27FC236}">
+                <a16:creationId xmlns:a16="http://schemas.microsoft.com/office/drawing/2014/main" id="{01CE9694-BD43-EF0E-E4C8-11805ABE0925}"/>
+              </a:ext>
+            </a:extLst>
+          </p:cNvPr>
+          <p:cNvPicPr>
+            <a:picLocks noChangeAspect="1"/>
+          </p:cNvPicPr>
+          <p:nvPr/>
+        </p:nvPicPr>
+        <p:blipFill>
+          <a:blip r:embed="rId2"/>
+          <a:stretch>
+            <a:fillRect/>
+          </a:stretch>
+        </p:blipFill>
+        <p:spPr>
+          <a:xfrm>
+            <a:off x="2224412" y="1489114"/>
+            <a:ext cx="4738722" cy="2524143"/>
+          </a:xfrm>
+          <a:prstGeom prst="rect">
+            <a:avLst/>
+          </a:prstGeom>
+        </p:spPr>
+      </p:pic>
+      <p:sp>
+        <p:nvSpPr>
+          <p:cNvPr id="6" name="文本框 5">
+            <a:extLst>
+              <a:ext uri="{FF2B5EF4-FFF2-40B4-BE49-F238E27FC236}">
+                <a16:creationId xmlns:a16="http://schemas.microsoft.com/office/drawing/2014/main" id="{849639C6-CF1E-99F1-87A5-5515EE73FCE2}"/>
+              </a:ext>
+            </a:extLst>
+          </p:cNvPr>
+          <p:cNvSpPr txBox="1"/>
+          <p:nvPr/>
+        </p:nvSpPr>
+        <p:spPr>
+          <a:xfrm>
+            <a:off x="1447799" y="1489114"/>
+            <a:ext cx="441146" cy="461665"/>
+          </a:xfrm>
+          <a:prstGeom prst="rect">
+            <a:avLst/>
+          </a:prstGeom>
+          <a:noFill/>
+        </p:spPr>
+        <p:txBody>
+          <a:bodyPr wrap="none" rtlCol="0">
+            <a:spAutoFit/>
+          </a:bodyPr>
+          <a:lstStyle/>
+          <a:p>
+            <a:r>
+              <a:rPr lang="en-US" altLang="zh-CN" sz="2400" dirty="0"/>
+              <a:t>1.</a:t>
+            </a:r>
+            <a:endParaRPr lang="zh-CN" altLang="en-US" sz="2400" dirty="0"/>
+          </a:p>
+        </p:txBody>
+      </p:sp>
+      <p:sp>
+        <p:nvSpPr>
+          <p:cNvPr id="7" name="文本框 6">
+            <a:extLst>
+              <a:ext uri="{FF2B5EF4-FFF2-40B4-BE49-F238E27FC236}">
+                <a16:creationId xmlns:a16="http://schemas.microsoft.com/office/drawing/2014/main" id="{6D661667-4761-E0F2-D673-EAD6A2AF8D6C}"/>
+              </a:ext>
+            </a:extLst>
+          </p:cNvPr>
+          <p:cNvSpPr txBox="1"/>
+          <p:nvPr/>
+        </p:nvSpPr>
+        <p:spPr>
+          <a:xfrm>
+            <a:off x="1447799" y="4114128"/>
+            <a:ext cx="441146" cy="461665"/>
+          </a:xfrm>
+          <a:prstGeom prst="rect">
+            <a:avLst/>
+          </a:prstGeom>
+          <a:noFill/>
+        </p:spPr>
+        <p:txBody>
+          <a:bodyPr wrap="none" rtlCol="0">
+            <a:spAutoFit/>
+          </a:bodyPr>
+          <a:lstStyle/>
+          <a:p>
+            <a:r>
+              <a:rPr lang="en-US" altLang="zh-CN" sz="2400" dirty="0"/>
+              <a:t>2.</a:t>
+            </a:r>
+            <a:endParaRPr lang="zh-CN" altLang="en-US" sz="2400" dirty="0"/>
+          </a:p>
+        </p:txBody>
+      </p:sp>
+      <p:pic>
+        <p:nvPicPr>
+          <p:cNvPr id="9" name="图片 8">
+            <a:extLst>
+              <a:ext uri="{FF2B5EF4-FFF2-40B4-BE49-F238E27FC236}">
+                <a16:creationId xmlns:a16="http://schemas.microsoft.com/office/drawing/2014/main" id="{C1520728-4C41-D11F-7F55-B66B1F632568}"/>
+              </a:ext>
+            </a:extLst>
+          </p:cNvPr>
+          <p:cNvPicPr>
+            <a:picLocks noChangeAspect="1"/>
+          </p:cNvPicPr>
+          <p:nvPr/>
+        </p:nvPicPr>
+        <p:blipFill>
+          <a:blip r:embed="rId3"/>
+          <a:stretch>
+            <a:fillRect/>
+          </a:stretch>
+        </p:blipFill>
+        <p:spPr>
+          <a:xfrm>
+            <a:off x="2224412" y="4114128"/>
+            <a:ext cx="4853023" cy="2562244"/>
+          </a:xfrm>
+          <a:prstGeom prst="rect">
+            <a:avLst/>
+          </a:prstGeom>
+        </p:spPr>
+      </p:pic>
+      <mc:AlternateContent xmlns:mc="http://schemas.openxmlformats.org/markup-compatibility/2006">
+        <mc:Choice xmlns:a14="http://schemas.microsoft.com/office/drawing/2010/main" Requires="a14">
+          <p:sp>
+            <p:nvSpPr>
+              <p:cNvPr id="10" name="文本框 9">
+                <a:extLst>
+                  <a:ext uri="{FF2B5EF4-FFF2-40B4-BE49-F238E27FC236}">
+                    <a16:creationId xmlns:a16="http://schemas.microsoft.com/office/drawing/2014/main" id="{8A97792A-48F7-A7D4-29BA-FBB51B8533E0}"/>
+                  </a:ext>
+                </a:extLst>
+              </p:cNvPr>
+              <p:cNvSpPr txBox="1"/>
+              <p:nvPr/>
+            </p:nvSpPr>
+            <p:spPr>
+              <a:xfrm>
+                <a:off x="6963133" y="1586108"/>
+                <a:ext cx="4907737" cy="830997"/>
+              </a:xfrm>
+              <a:prstGeom prst="rect">
+                <a:avLst/>
+              </a:prstGeom>
+              <a:noFill/>
+            </p:spPr>
+            <p:txBody>
+              <a:bodyPr wrap="square" rtlCol="0">
+                <a:spAutoFit/>
+              </a:bodyPr>
+              <a:lstStyle/>
+              <a:p>
+                <a:r>
+                  <a:rPr lang="en-US" altLang="zh-CN" sz="2400" dirty="0"/>
+                  <a:t>1. is reduced to </a:t>
+                </a:r>
+                <a14:m>
+                  <m:oMath xmlns:m="http://schemas.openxmlformats.org/officeDocument/2006/math">
+                    <m:r>
+                      <a:rPr lang="en-US" altLang="zh-CN" sz="2400" i="1" dirty="0" smtClean="0">
+                        <a:latin typeface="Cambria Math" panose="02040503050406030204" pitchFamily="18" charset="0"/>
+                      </a:rPr>
+                      <m:t>𝑚</m:t>
+                    </m:r>
+                  </m:oMath>
+                </a14:m>
+                <a:r>
+                  <a:rPr lang="en-US" altLang="zh-CN" sz="2400" dirty="0"/>
+                  <a:t> </a:t>
+                </a:r>
+                <a14:m>
+                  <m:oMath xmlns:m="http://schemas.openxmlformats.org/officeDocument/2006/math">
+                    <m:r>
+                      <a:rPr lang="en-US" altLang="zh-CN" sz="2400" i="1" dirty="0" smtClean="0">
+                        <a:latin typeface="Cambria Math" panose="02040503050406030204" pitchFamily="18" charset="0"/>
+                      </a:rPr>
+                      <m:t>0</m:t>
+                    </m:r>
+                    <m:r>
+                      <a:rPr lang="en-US" altLang="zh-CN" sz="2400" b="0" i="1" dirty="0" smtClean="0">
+                        <a:latin typeface="Cambria Math" panose="02040503050406030204" pitchFamily="18" charset="0"/>
+                      </a:rPr>
+                      <m:t>/</m:t>
+                    </m:r>
+                    <m:r>
+                      <a:rPr lang="en-US" altLang="zh-CN" sz="2400" i="1" dirty="0" smtClean="0">
+                        <a:latin typeface="Cambria Math" panose="02040503050406030204" pitchFamily="18" charset="0"/>
+                      </a:rPr>
+                      <m:t>1</m:t>
+                    </m:r>
+                  </m:oMath>
+                </a14:m>
+                <a:r>
+                  <a:rPr lang="en-US" altLang="zh-CN" sz="2400" dirty="0"/>
+                  <a:t> knapsack problems	 </a:t>
+                </a:r>
+                <a:endParaRPr lang="zh-CN" altLang="en-US" sz="2400" dirty="0"/>
+              </a:p>
+            </p:txBody>
+          </p:sp>
+        </mc:Choice>
+        <mc:Fallback>
+          <p:sp>
+            <p:nvSpPr>
+              <p:cNvPr id="10" name="文本框 9">
+                <a:extLst>
+                  <a:ext uri="{FF2B5EF4-FFF2-40B4-BE49-F238E27FC236}">
+                    <a16:creationId xmlns:a16="http://schemas.microsoft.com/office/drawing/2014/main" id="{8A97792A-48F7-A7D4-29BA-FBB51B8533E0}"/>
+                  </a:ext>
+                </a:extLst>
+              </p:cNvPr>
+              <p:cNvSpPr txBox="1">
+                <a:spLocks noRot="1" noChangeAspect="1" noMove="1" noResize="1" noEditPoints="1" noAdjustHandles="1" noChangeArrowheads="1" noChangeShapeType="1" noTextEdit="1"/>
+              </p:cNvSpPr>
+              <p:nvPr/>
+            </p:nvSpPr>
+            <p:spPr>
+              <a:xfrm>
+                <a:off x="6963133" y="1586108"/>
+                <a:ext cx="4907737" cy="830997"/>
+              </a:xfrm>
+              <a:prstGeom prst="rect">
+                <a:avLst/>
+              </a:prstGeom>
+              <a:blipFill>
+                <a:blip r:embed="rId4"/>
+                <a:stretch>
+                  <a:fillRect l="-1863" t="-6569" b="-14599"/>
+                </a:stretch>
+              </a:blipFill>
+            </p:spPr>
+            <p:txBody>
+              <a:bodyPr/>
+              <a:lstStyle/>
+              <a:p>
+                <a:r>
+                  <a:rPr lang="zh-CN" altLang="en-US">
+                    <a:noFill/>
+                  </a:rPr>
+                  <a:t> </a:t>
+                </a:r>
+              </a:p>
+            </p:txBody>
+          </p:sp>
+        </mc:Fallback>
+      </mc:AlternateContent>
+      <mc:AlternateContent xmlns:mc="http://schemas.openxmlformats.org/markup-compatibility/2006" xmlns:a14="http://schemas.microsoft.com/office/drawing/2010/main">
+        <mc:Choice Requires="a14">
+          <p:sp>
+            <p:nvSpPr>
+              <p:cNvPr id="11" name="文本框 10">
+                <a:extLst>
+                  <a:ext uri="{FF2B5EF4-FFF2-40B4-BE49-F238E27FC236}">
+                    <a16:creationId xmlns:a16="http://schemas.microsoft.com/office/drawing/2014/main" id="{A3C86948-E926-6BC5-3D2D-1E359195A13B}"/>
+                  </a:ext>
+                </a:extLst>
+              </p:cNvPr>
+              <p:cNvSpPr txBox="1"/>
+              <p:nvPr/>
+            </p:nvSpPr>
+            <p:spPr>
+              <a:xfrm>
+                <a:off x="7077435" y="4114128"/>
+                <a:ext cx="4907737" cy="860748"/>
+              </a:xfrm>
+              <a:prstGeom prst="rect">
+                <a:avLst/>
+              </a:prstGeom>
+              <a:noFill/>
+            </p:spPr>
+            <p:txBody>
+              <a:bodyPr wrap="square" rtlCol="0">
+                <a:spAutoFit/>
+              </a:bodyPr>
+              <a:lstStyle/>
+              <a:p>
+                <a:r>
+                  <a:rPr lang="en-US" altLang="zh-CN" sz="2400" dirty="0"/>
+                  <a:t>2. can easily solved by choosing n minimum </a:t>
+                </a:r>
+                <a14:m>
+                  <m:oMath xmlns:m="http://schemas.openxmlformats.org/officeDocument/2006/math">
+                    <m:r>
+                      <a:rPr lang="en-US" altLang="zh-CN" sz="2400" i="1" dirty="0" smtClean="0">
+                        <a:latin typeface="Cambria Math" panose="02040503050406030204" pitchFamily="18" charset="0"/>
+                      </a:rPr>
+                      <m:t>(</m:t>
+                    </m:r>
+                    <m:sSub>
+                      <m:sSubPr>
+                        <m:ctrlPr>
+                          <a:rPr lang="en-US" altLang="zh-CN" sz="2400" i="1" dirty="0" err="1" smtClean="0">
+                            <a:latin typeface="Cambria Math" panose="02040503050406030204" pitchFamily="18" charset="0"/>
+                          </a:rPr>
+                        </m:ctrlPr>
+                      </m:sSubPr>
+                      <m:e>
+                        <m:r>
+                          <a:rPr lang="en-US" altLang="zh-CN" sz="2400" i="1" dirty="0" err="1" smtClean="0">
+                            <a:latin typeface="Cambria Math" panose="02040503050406030204" pitchFamily="18" charset="0"/>
+                          </a:rPr>
+                          <m:t>𝑐</m:t>
+                        </m:r>
+                      </m:e>
+                      <m:sub>
+                        <m:r>
+                          <a:rPr lang="en-US" altLang="zh-CN" sz="2400" i="1" dirty="0" err="1" smtClean="0">
+                            <a:latin typeface="Cambria Math" panose="02040503050406030204" pitchFamily="18" charset="0"/>
+                          </a:rPr>
+                          <m:t>𝑖𝑗</m:t>
+                        </m:r>
+                      </m:sub>
+                    </m:sSub>
+                    <m:r>
+                      <a:rPr lang="en-US" altLang="zh-CN" sz="2400" i="1" dirty="0" err="1" smtClean="0">
+                        <a:latin typeface="Cambria Math" panose="02040503050406030204" pitchFamily="18" charset="0"/>
+                      </a:rPr>
+                      <m:t>+</m:t>
+                    </m:r>
+                    <m:sSub>
+                      <m:sSubPr>
+                        <m:ctrlPr>
+                          <a:rPr lang="en-US" altLang="zh-CN" sz="2400" i="1" dirty="0" err="1" smtClean="0">
+                            <a:latin typeface="Cambria Math" panose="02040503050406030204" pitchFamily="18" charset="0"/>
+                          </a:rPr>
+                        </m:ctrlPr>
+                      </m:sSubPr>
+                      <m:e>
+                        <m:r>
+                          <a:rPr lang="en-US" altLang="zh-CN" sz="2400" i="1" dirty="0" err="1" smtClean="0">
+                            <a:latin typeface="Cambria Math" panose="02040503050406030204" pitchFamily="18" charset="0"/>
+                          </a:rPr>
+                          <m:t>𝑣</m:t>
+                        </m:r>
+                      </m:e>
+                      <m:sub>
+                        <m:r>
+                          <a:rPr lang="en-US" altLang="zh-CN" sz="2400" i="1" dirty="0" err="1" smtClean="0">
+                            <a:latin typeface="Cambria Math" panose="02040503050406030204" pitchFamily="18" charset="0"/>
+                          </a:rPr>
+                          <m:t>𝑖</m:t>
+                        </m:r>
+                      </m:sub>
+                    </m:sSub>
+                    <m:sSub>
+                      <m:sSubPr>
+                        <m:ctrlPr>
+                          <a:rPr lang="en-US" altLang="zh-CN" sz="2400" i="1" dirty="0" err="1" smtClean="0">
+                            <a:latin typeface="Cambria Math" panose="02040503050406030204" pitchFamily="18" charset="0"/>
+                          </a:rPr>
+                        </m:ctrlPr>
+                      </m:sSubPr>
+                      <m:e>
+                        <m:r>
+                          <a:rPr lang="en-US" altLang="zh-CN" sz="2400" i="1" dirty="0" err="1" smtClean="0">
+                            <a:latin typeface="Cambria Math" panose="02040503050406030204" pitchFamily="18" charset="0"/>
+                          </a:rPr>
+                          <m:t>𝑎</m:t>
+                        </m:r>
+                      </m:e>
+                      <m:sub>
+                        <m:r>
+                          <a:rPr lang="en-US" altLang="zh-CN" sz="2400" i="1" dirty="0" err="1" smtClean="0">
+                            <a:latin typeface="Cambria Math" panose="02040503050406030204" pitchFamily="18" charset="0"/>
+                          </a:rPr>
+                          <m:t>𝑖𝑗</m:t>
+                        </m:r>
+                      </m:sub>
+                    </m:sSub>
+                    <m:r>
+                      <a:rPr lang="en-US" altLang="zh-CN" sz="2400" i="1" dirty="0" smtClean="0">
+                        <a:latin typeface="Cambria Math" panose="02040503050406030204" pitchFamily="18" charset="0"/>
+                      </a:rPr>
+                      <m:t>) </m:t>
+                    </m:r>
+                  </m:oMath>
+                </a14:m>
+                <a:endParaRPr lang="zh-CN" altLang="en-US" sz="2400" dirty="0"/>
+              </a:p>
+            </p:txBody>
+          </p:sp>
+        </mc:Choice>
+        <mc:Fallback xmlns="">
+          <p:sp>
+            <p:nvSpPr>
+              <p:cNvPr id="11" name="文本框 10">
+                <a:extLst>
+                  <a:ext uri="{FF2B5EF4-FFF2-40B4-BE49-F238E27FC236}">
+                    <a16:creationId xmlns:a16="http://schemas.microsoft.com/office/drawing/2014/main" id="{A3C86948-E926-6BC5-3D2D-1E359195A13B}"/>
+                  </a:ext>
+                </a:extLst>
+              </p:cNvPr>
+              <p:cNvSpPr txBox="1">
+                <a:spLocks noRot="1" noChangeAspect="1" noMove="1" noResize="1" noEditPoints="1" noAdjustHandles="1" noChangeArrowheads="1" noChangeShapeType="1" noTextEdit="1"/>
+              </p:cNvSpPr>
+              <p:nvPr/>
+            </p:nvSpPr>
+            <p:spPr>
+              <a:xfrm>
+                <a:off x="7077435" y="4114128"/>
+                <a:ext cx="4907737" cy="860748"/>
+              </a:xfrm>
+              <a:prstGeom prst="rect">
+                <a:avLst/>
+              </a:prstGeom>
+              <a:blipFill>
+                <a:blip r:embed="rId5"/>
+                <a:stretch>
+                  <a:fillRect l="-1988" t="-6383" b="-11348"/>
+                </a:stretch>
+              </a:blipFill>
+            </p:spPr>
+            <p:txBody>
+              <a:bodyPr/>
+              <a:lstStyle/>
+              <a:p>
+                <a:r>
+                  <a:rPr lang="zh-CN" altLang="en-US">
+                    <a:noFill/>
+                  </a:rPr>
+                  <a:t> </a:t>
+                </a:r>
+              </a:p>
+            </p:txBody>
+          </p:sp>
+        </mc:Fallback>
+      </mc:AlternateContent>
     </p:spTree>
     <p:extLst>
       <p:ext uri="{BB962C8B-B14F-4D97-AF65-F5344CB8AC3E}">
-        <p14:creationId xmlns:p14="http://schemas.microsoft.com/office/powerpoint/2010/main" val="1122546805"/>
+        <p14:creationId xmlns:p14="http://schemas.microsoft.com/office/powerpoint/2010/main" val="1792621160"/>
+      </p:ext>
+    </p:extLst>
+  </p:cSld>
+  <p:clrMapOvr>
+    <a:masterClrMapping/>
+  </p:clrMapOvr>
+</p:sld>
+</file>
+
+<file path=ppt/slides/slide22.xml><?xml version="1.0" encoding="utf-8"?>
+<p:sld xmlns:a="http://schemas.openxmlformats.org/drawingml/2006/main" xmlns:r="http://schemas.openxmlformats.org/officeDocument/2006/relationships" xmlns:p="http://schemas.openxmlformats.org/presentationml/2006/main">
+  <p:cSld>
+    <p:spTree>
+      <p:nvGrpSpPr>
+        <p:cNvPr id="1" name=""/>
+        <p:cNvGrpSpPr/>
+        <p:nvPr/>
+      </p:nvGrpSpPr>
+      <p:grpSpPr>
+        <a:xfrm>
+          <a:off x="0" y="0"/>
+          <a:ext cx="0" cy="0"/>
+          <a:chOff x="0" y="0"/>
+          <a:chExt cx="0" cy="0"/>
+        </a:xfrm>
+      </p:grpSpPr>
+      <mc:AlternateContent xmlns:mc="http://schemas.openxmlformats.org/markup-compatibility/2006" xmlns:a14="http://schemas.microsoft.com/office/drawing/2010/main">
+        <mc:Choice Requires="a14">
+          <p:sp>
+            <p:nvSpPr>
+              <p:cNvPr id="2" name="文本框 1">
+                <a:extLst>
+                  <a:ext uri="{FF2B5EF4-FFF2-40B4-BE49-F238E27FC236}">
+                    <a16:creationId xmlns:a16="http://schemas.microsoft.com/office/drawing/2014/main" id="{AE145251-C885-455A-ADFF-62B7F5CBB7B6}"/>
+                  </a:ext>
+                </a:extLst>
+              </p:cNvPr>
+              <p:cNvSpPr txBox="1"/>
+              <p:nvPr/>
+            </p:nvSpPr>
+            <p:spPr>
+              <a:xfrm>
+                <a:off x="3108294" y="680357"/>
+                <a:ext cx="5975418" cy="707886"/>
+              </a:xfrm>
+              <a:prstGeom prst="rect">
+                <a:avLst/>
+              </a:prstGeom>
+              <a:noFill/>
+            </p:spPr>
+            <p:txBody>
+              <a:bodyPr wrap="none" rtlCol="0">
+                <a:spAutoFit/>
+              </a:bodyPr>
+              <a:lstStyle/>
+              <a:p>
+                <a:pPr algn="ctr"/>
+                <a:r>
+                  <a:rPr lang="en-US" altLang="zh-CN" sz="4000" dirty="0"/>
+                  <a:t>How to solve max </a:t>
+                </a:r>
+                <a14:m>
+                  <m:oMath xmlns:m="http://schemas.openxmlformats.org/officeDocument/2006/math">
+                    <m:sSub>
+                      <m:sSubPr>
+                        <m:ctrlPr>
+                          <a:rPr lang="en-US" altLang="zh-CN" sz="4000" i="1" dirty="0" smtClean="0">
+                            <a:latin typeface="Cambria Math" panose="02040503050406030204" pitchFamily="18" charset="0"/>
+                          </a:rPr>
+                        </m:ctrlPr>
+                      </m:sSubPr>
+                      <m:e>
+                        <m:r>
+                          <a:rPr lang="en-US" altLang="zh-CN" sz="4000" i="1" dirty="0" smtClean="0">
+                            <a:latin typeface="Cambria Math" panose="02040503050406030204" pitchFamily="18" charset="0"/>
+                          </a:rPr>
+                          <m:t>𝑍</m:t>
+                        </m:r>
+                      </m:e>
+                      <m:sub>
+                        <m:r>
+                          <a:rPr lang="en-US" altLang="zh-CN" sz="4000" i="1" dirty="0" smtClean="0">
+                            <a:latin typeface="Cambria Math" panose="02040503050406030204" pitchFamily="18" charset="0"/>
+                          </a:rPr>
+                          <m:t>𝐷</m:t>
+                        </m:r>
+                      </m:sub>
+                    </m:sSub>
+                    <m:r>
+                      <a:rPr lang="en-US" altLang="zh-CN" sz="4000" i="1" dirty="0" smtClean="0">
+                        <a:latin typeface="Cambria Math" panose="02040503050406030204" pitchFamily="18" charset="0"/>
+                      </a:rPr>
+                      <m:t>(</m:t>
+                    </m:r>
+                    <m:r>
+                      <a:rPr lang="en-US" altLang="zh-CN" sz="4000" i="1" dirty="0" smtClean="0">
+                        <a:latin typeface="Cambria Math" panose="02040503050406030204" pitchFamily="18" charset="0"/>
+                      </a:rPr>
+                      <m:t>𝑢</m:t>
+                    </m:r>
+                    <m:r>
+                      <a:rPr lang="en-US" altLang="zh-CN" sz="4000" i="1" dirty="0" smtClean="0">
+                        <a:latin typeface="Cambria Math" panose="02040503050406030204" pitchFamily="18" charset="0"/>
+                      </a:rPr>
+                      <m:t>)</m:t>
+                    </m:r>
+                  </m:oMath>
+                </a14:m>
+                <a:r>
+                  <a:rPr lang="en-US" altLang="zh-CN" sz="4000" dirty="0"/>
+                  <a:t>?</a:t>
+                </a:r>
+                <a:endParaRPr lang="zh-CN" altLang="en-US" sz="4000" dirty="0"/>
+              </a:p>
+            </p:txBody>
+          </p:sp>
+        </mc:Choice>
+        <mc:Fallback xmlns="">
+          <p:sp>
+            <p:nvSpPr>
+              <p:cNvPr id="2" name="文本框 1">
+                <a:extLst>
+                  <a:ext uri="{FF2B5EF4-FFF2-40B4-BE49-F238E27FC236}">
+                    <a16:creationId xmlns:a16="http://schemas.microsoft.com/office/drawing/2014/main" id="{AE145251-C885-455A-ADFF-62B7F5CBB7B6}"/>
+                  </a:ext>
+                </a:extLst>
+              </p:cNvPr>
+              <p:cNvSpPr txBox="1">
+                <a:spLocks noRot="1" noChangeAspect="1" noMove="1" noResize="1" noEditPoints="1" noAdjustHandles="1" noChangeArrowheads="1" noChangeShapeType="1" noTextEdit="1"/>
+              </p:cNvSpPr>
+              <p:nvPr/>
+            </p:nvSpPr>
+            <p:spPr>
+              <a:xfrm>
+                <a:off x="3108294" y="680357"/>
+                <a:ext cx="5975418" cy="707886"/>
+              </a:xfrm>
+              <a:prstGeom prst="rect">
+                <a:avLst/>
+              </a:prstGeom>
+              <a:blipFill>
+                <a:blip r:embed="rId2"/>
+                <a:stretch>
+                  <a:fillRect l="-3163" t="-15517" r="-3163" b="-36207"/>
+                </a:stretch>
+              </a:blipFill>
+            </p:spPr>
+            <p:txBody>
+              <a:bodyPr/>
+              <a:lstStyle/>
+              <a:p>
+                <a:r>
+                  <a:rPr lang="zh-CN" altLang="en-US">
+                    <a:noFill/>
+                  </a:rPr>
+                  <a:t> </a:t>
+                </a:r>
+              </a:p>
+            </p:txBody>
+          </p:sp>
+        </mc:Fallback>
+      </mc:AlternateContent>
+      <mc:AlternateContent xmlns:mc="http://schemas.openxmlformats.org/markup-compatibility/2006" xmlns:a14="http://schemas.microsoft.com/office/drawing/2010/main">
+        <mc:Choice Requires="a14">
+          <p:sp>
+            <p:nvSpPr>
+              <p:cNvPr id="6" name="文本框 5">
+                <a:extLst>
+                  <a:ext uri="{FF2B5EF4-FFF2-40B4-BE49-F238E27FC236}">
+                    <a16:creationId xmlns:a16="http://schemas.microsoft.com/office/drawing/2014/main" id="{849639C6-CF1E-99F1-87A5-5515EE73FCE2}"/>
+                  </a:ext>
+                </a:extLst>
+              </p:cNvPr>
+              <p:cNvSpPr txBox="1"/>
+              <p:nvPr/>
+            </p:nvSpPr>
+            <p:spPr>
+              <a:xfrm>
+                <a:off x="898070" y="1494557"/>
+                <a:ext cx="5056415" cy="4865434"/>
+              </a:xfrm>
+              <a:prstGeom prst="rect">
+                <a:avLst/>
+              </a:prstGeom>
+              <a:noFill/>
+            </p:spPr>
+            <p:txBody>
+              <a:bodyPr wrap="square" rtlCol="0">
+                <a:spAutoFit/>
+              </a:bodyPr>
+              <a:lstStyle/>
+              <a:p>
+                <a:r>
+                  <a:rPr lang="en-US" altLang="zh-CN" sz="2400" dirty="0"/>
+                  <a:t>We have to compute the maximum of </a:t>
+                </a:r>
+                <a14:m>
+                  <m:oMath xmlns:m="http://schemas.openxmlformats.org/officeDocument/2006/math">
+                    <m:sSub>
+                      <m:sSubPr>
+                        <m:ctrlPr>
+                          <a:rPr lang="en-US" altLang="zh-CN" sz="2400" i="1" dirty="0" smtClean="0">
+                            <a:latin typeface="Cambria Math" panose="02040503050406030204" pitchFamily="18" charset="0"/>
+                          </a:rPr>
+                        </m:ctrlPr>
+                      </m:sSubPr>
+                      <m:e>
+                        <m:r>
+                          <a:rPr lang="en-US" altLang="zh-CN" sz="2400" i="1" dirty="0" smtClean="0">
+                            <a:latin typeface="Cambria Math" panose="02040503050406030204" pitchFamily="18" charset="0"/>
+                          </a:rPr>
+                          <m:t>𝑍</m:t>
+                        </m:r>
+                      </m:e>
+                      <m:sub>
+                        <m:r>
+                          <a:rPr lang="en-US" altLang="zh-CN" sz="2400" i="1" dirty="0" smtClean="0">
+                            <a:latin typeface="Cambria Math" panose="02040503050406030204" pitchFamily="18" charset="0"/>
+                          </a:rPr>
+                          <m:t>𝐷</m:t>
+                        </m:r>
+                      </m:sub>
+                    </m:sSub>
+                    <m:d>
+                      <m:dPr>
+                        <m:ctrlPr>
+                          <a:rPr lang="en-US" altLang="zh-CN" sz="2400" i="1" dirty="0" smtClean="0">
+                            <a:latin typeface="Cambria Math" panose="02040503050406030204" pitchFamily="18" charset="0"/>
+                          </a:rPr>
+                        </m:ctrlPr>
+                      </m:dPr>
+                      <m:e>
+                        <m:r>
+                          <a:rPr lang="en-US" altLang="zh-CN" sz="2400" i="1" dirty="0" smtClean="0">
+                            <a:latin typeface="Cambria Math" panose="02040503050406030204" pitchFamily="18" charset="0"/>
+                          </a:rPr>
+                          <m:t>𝑢</m:t>
+                        </m:r>
+                      </m:e>
+                    </m:d>
+                  </m:oMath>
+                </a14:m>
+                <a:r>
+                  <a:rPr lang="en-US" altLang="zh-CN" sz="2400" dirty="0"/>
+                  <a:t>.  </a:t>
+                </a:r>
+              </a:p>
+              <a:p>
+                <a:r>
+                  <a:rPr lang="en-US" altLang="zh-CN" sz="2400" dirty="0"/>
+                  <a:t>One way of getting it is by using </a:t>
+                </a:r>
+                <a:r>
+                  <a:rPr lang="en-US" altLang="zh-CN" sz="2400" dirty="0" err="1"/>
+                  <a:t>subgradient</a:t>
+                </a:r>
+                <a:r>
+                  <a:rPr lang="en-US" altLang="zh-CN" sz="2400" dirty="0"/>
+                  <a:t>. </a:t>
+                </a:r>
+              </a:p>
+              <a:p>
+                <a:pPr/>
+                <a14:m>
+                  <m:oMathPara xmlns:m="http://schemas.openxmlformats.org/officeDocument/2006/math">
+                    <m:oMathParaPr>
+                      <m:jc m:val="centerGroup"/>
+                    </m:oMathParaPr>
+                    <m:oMath xmlns:m="http://schemas.openxmlformats.org/officeDocument/2006/math">
+                      <m:sSub>
+                        <m:sSubPr>
+                          <m:ctrlPr>
+                            <a:rPr lang="en-US" altLang="zh-CN" sz="2400" b="0" i="1" smtClean="0">
+                              <a:latin typeface="Cambria Math" panose="02040503050406030204" pitchFamily="18" charset="0"/>
+                            </a:rPr>
+                          </m:ctrlPr>
+                        </m:sSubPr>
+                        <m:e>
+                          <m:r>
+                            <a:rPr lang="en-US" altLang="zh-CN" sz="2400" b="0" i="1" smtClean="0">
+                              <a:latin typeface="Cambria Math" panose="02040503050406030204" pitchFamily="18" charset="0"/>
+                            </a:rPr>
+                            <m:t>𝑠</m:t>
+                          </m:r>
+                        </m:e>
+                        <m:sub>
+                          <m:r>
+                            <a:rPr lang="en-US" altLang="zh-CN" sz="2400" b="0" i="1" smtClean="0">
+                              <a:latin typeface="Cambria Math" panose="02040503050406030204" pitchFamily="18" charset="0"/>
+                            </a:rPr>
+                            <m:t>𝑖</m:t>
+                          </m:r>
+                        </m:sub>
+                      </m:sSub>
+                      <m:d>
+                        <m:dPr>
+                          <m:ctrlPr>
+                            <a:rPr lang="en-US" altLang="zh-CN" sz="2400" b="0" i="1" smtClean="0">
+                              <a:latin typeface="Cambria Math" panose="02040503050406030204" pitchFamily="18" charset="0"/>
+                            </a:rPr>
+                          </m:ctrlPr>
+                        </m:dPr>
+                        <m:e>
+                          <m:r>
+                            <a:rPr lang="en-US" altLang="zh-CN" sz="2400" b="0" i="1" smtClean="0">
+                              <a:latin typeface="Cambria Math" panose="02040503050406030204" pitchFamily="18" charset="0"/>
+                            </a:rPr>
+                            <m:t>𝜆</m:t>
+                          </m:r>
+                        </m:e>
+                      </m:d>
+                      <m:r>
+                        <a:rPr lang="en-US" altLang="zh-CN" sz="2400" b="0" i="1" smtClean="0">
+                          <a:latin typeface="Cambria Math" panose="02040503050406030204" pitchFamily="18" charset="0"/>
+                        </a:rPr>
+                        <m:t>=</m:t>
+                      </m:r>
+                      <m:nary>
+                        <m:naryPr>
+                          <m:chr m:val="∑"/>
+                          <m:ctrlPr>
+                            <a:rPr lang="en-US" altLang="zh-CN" sz="2400" b="0" i="1" smtClean="0">
+                              <a:latin typeface="Cambria Math" panose="02040503050406030204" pitchFamily="18" charset="0"/>
+                            </a:rPr>
+                          </m:ctrlPr>
+                        </m:naryPr>
+                        <m:sub>
+                          <m:r>
+                            <m:rPr>
+                              <m:brk m:alnAt="23"/>
+                            </m:rPr>
+                            <a:rPr lang="en-US" altLang="zh-CN" sz="2400" b="0" i="1" smtClean="0">
+                              <a:latin typeface="Cambria Math" panose="02040503050406030204" pitchFamily="18" charset="0"/>
+                            </a:rPr>
+                            <m:t>𝑗</m:t>
+                          </m:r>
+                          <m:r>
+                            <a:rPr lang="en-US" altLang="zh-CN" sz="2400" b="0" i="1" smtClean="0">
+                              <a:latin typeface="Cambria Math" panose="02040503050406030204" pitchFamily="18" charset="0"/>
+                            </a:rPr>
+                            <m:t>=1</m:t>
+                          </m:r>
+                        </m:sub>
+                        <m:sup>
+                          <m:r>
+                            <a:rPr lang="en-US" altLang="zh-CN" sz="2400" b="0" i="1" smtClean="0">
+                              <a:latin typeface="Cambria Math" panose="02040503050406030204" pitchFamily="18" charset="0"/>
+                            </a:rPr>
+                            <m:t>𝑛</m:t>
+                          </m:r>
+                        </m:sup>
+                        <m:e>
+                          <m:sSub>
+                            <m:sSubPr>
+                              <m:ctrlPr>
+                                <a:rPr lang="en-US" altLang="zh-CN" sz="2400" b="0" i="1" smtClean="0">
+                                  <a:latin typeface="Cambria Math" panose="02040503050406030204" pitchFamily="18" charset="0"/>
+                                </a:rPr>
+                              </m:ctrlPr>
+                            </m:sSubPr>
+                            <m:e>
+                              <m:r>
+                                <a:rPr lang="en-US" altLang="zh-CN" sz="2400" b="0" i="1" smtClean="0">
+                                  <a:latin typeface="Cambria Math" panose="02040503050406030204" pitchFamily="18" charset="0"/>
+                                </a:rPr>
+                                <m:t>𝑟</m:t>
+                              </m:r>
+                            </m:e>
+                            <m:sub>
+                              <m:r>
+                                <a:rPr lang="en-US" altLang="zh-CN" sz="2400" b="0" i="1" smtClean="0">
+                                  <a:latin typeface="Cambria Math" panose="02040503050406030204" pitchFamily="18" charset="0"/>
+                                </a:rPr>
+                                <m:t>𝑖𝑗</m:t>
+                              </m:r>
+                            </m:sub>
+                          </m:sSub>
+                          <m:sSub>
+                            <m:sSubPr>
+                              <m:ctrlPr>
+                                <a:rPr lang="en-US" altLang="zh-CN" sz="2400" b="0" i="1" smtClean="0">
+                                  <a:latin typeface="Cambria Math" panose="02040503050406030204" pitchFamily="18" charset="0"/>
+                                </a:rPr>
+                              </m:ctrlPr>
+                            </m:sSubPr>
+                            <m:e>
+                              <m:r>
+                                <a:rPr lang="en-US" altLang="zh-CN" sz="2400" b="0" i="1" smtClean="0">
+                                  <a:latin typeface="Cambria Math" panose="02040503050406030204" pitchFamily="18" charset="0"/>
+                                </a:rPr>
+                                <m:t>𝑥</m:t>
+                              </m:r>
+                            </m:e>
+                            <m:sub>
+                              <m:r>
+                                <a:rPr lang="en-US" altLang="zh-CN" sz="2400" b="0" i="1" smtClean="0">
+                                  <a:latin typeface="Cambria Math" panose="02040503050406030204" pitchFamily="18" charset="0"/>
+                                </a:rPr>
+                                <m:t>𝑖𝑗</m:t>
+                              </m:r>
+                            </m:sub>
+                          </m:sSub>
+                          <m:d>
+                            <m:dPr>
+                              <m:ctrlPr>
+                                <a:rPr lang="en-US" altLang="zh-CN" sz="2400" b="0" i="1" smtClean="0">
+                                  <a:latin typeface="Cambria Math" panose="02040503050406030204" pitchFamily="18" charset="0"/>
+                                </a:rPr>
+                              </m:ctrlPr>
+                            </m:dPr>
+                            <m:e>
+                              <m:r>
+                                <a:rPr lang="en-US" altLang="zh-CN" sz="2400" b="0" i="1" smtClean="0">
+                                  <a:latin typeface="Cambria Math" panose="02040503050406030204" pitchFamily="18" charset="0"/>
+                                </a:rPr>
+                                <m:t>𝜆</m:t>
+                              </m:r>
+                            </m:e>
+                          </m:d>
+                          <m:r>
+                            <a:rPr lang="en-US" altLang="zh-CN" sz="2400" b="0" i="1" smtClean="0">
+                              <a:latin typeface="Cambria Math" panose="02040503050406030204" pitchFamily="18" charset="0"/>
+                            </a:rPr>
+                            <m:t>−</m:t>
+                          </m:r>
+                          <m:sSub>
+                            <m:sSubPr>
+                              <m:ctrlPr>
+                                <a:rPr lang="en-US" altLang="zh-CN" sz="2400" b="0" i="1" smtClean="0">
+                                  <a:latin typeface="Cambria Math" panose="02040503050406030204" pitchFamily="18" charset="0"/>
+                                </a:rPr>
+                              </m:ctrlPr>
+                            </m:sSubPr>
+                            <m:e>
+                              <m:r>
+                                <a:rPr lang="en-US" altLang="zh-CN" sz="2400" b="0" i="1" smtClean="0">
+                                  <a:latin typeface="Cambria Math" panose="02040503050406030204" pitchFamily="18" charset="0"/>
+                                </a:rPr>
+                                <m:t>𝑏</m:t>
+                              </m:r>
+                            </m:e>
+                            <m:sub>
+                              <m:r>
+                                <a:rPr lang="en-US" altLang="zh-CN" sz="2400" b="0" i="1" smtClean="0">
+                                  <a:latin typeface="Cambria Math" panose="02040503050406030204" pitchFamily="18" charset="0"/>
+                                </a:rPr>
+                                <m:t>𝑗</m:t>
+                              </m:r>
+                            </m:sub>
+                          </m:sSub>
+                        </m:e>
+                      </m:nary>
+                    </m:oMath>
+                  </m:oMathPara>
+                </a14:m>
+                <a:endParaRPr lang="en-US" altLang="zh-CN" sz="2400" dirty="0"/>
+              </a:p>
+              <a:p>
+                <a:r>
+                  <a:rPr lang="en-US" altLang="zh-CN" sz="2400" dirty="0"/>
+                  <a:t>where </a:t>
+                </a:r>
+                <a14:m>
+                  <m:oMath xmlns:m="http://schemas.openxmlformats.org/officeDocument/2006/math">
+                    <m:sSub>
+                      <m:sSubPr>
+                        <m:ctrlPr>
+                          <a:rPr lang="en-US" altLang="zh-CN" sz="2400" b="0" i="1" smtClean="0">
+                            <a:latin typeface="Cambria Math" panose="02040503050406030204" pitchFamily="18" charset="0"/>
+                          </a:rPr>
+                        </m:ctrlPr>
+                      </m:sSubPr>
+                      <m:e>
+                        <m:r>
+                          <a:rPr lang="en-US" altLang="zh-CN" sz="2400" b="0" i="1" smtClean="0">
+                            <a:latin typeface="Cambria Math" panose="02040503050406030204" pitchFamily="18" charset="0"/>
+                          </a:rPr>
+                          <m:t>𝑥</m:t>
+                        </m:r>
+                      </m:e>
+                      <m:sub>
+                        <m:r>
+                          <a:rPr lang="en-US" altLang="zh-CN" sz="2400" b="0" i="1" smtClean="0">
+                            <a:latin typeface="Cambria Math" panose="02040503050406030204" pitchFamily="18" charset="0"/>
+                          </a:rPr>
+                          <m:t>𝑖𝑗</m:t>
+                        </m:r>
+                      </m:sub>
+                    </m:sSub>
+                  </m:oMath>
+                </a14:m>
+                <a:r>
+                  <a:rPr lang="zh-CN" altLang="en-US" sz="2400" dirty="0"/>
+                  <a:t> </a:t>
+                </a:r>
+                <a:r>
+                  <a:rPr lang="en-US" altLang="zh-CN" sz="2400" dirty="0"/>
+                  <a:t>is the optimal solution for </a:t>
+                </a:r>
+                <a14:m>
+                  <m:oMath xmlns:m="http://schemas.openxmlformats.org/officeDocument/2006/math">
+                    <m:r>
+                      <a:rPr lang="en-US" altLang="zh-CN" sz="2400" b="0" i="1" smtClean="0">
+                        <a:latin typeface="Cambria Math" panose="02040503050406030204" pitchFamily="18" charset="0"/>
+                      </a:rPr>
+                      <m:t>𝜆</m:t>
+                    </m:r>
+                  </m:oMath>
+                </a14:m>
+                <a:r>
+                  <a:rPr lang="en-US" altLang="zh-CN" sz="2400" dirty="0"/>
+                  <a:t>. We compute a new \lambda by using:</a:t>
+                </a:r>
+              </a:p>
+              <a:p>
+                <a:endParaRPr lang="en-US" altLang="zh-CN" sz="2400" dirty="0"/>
+              </a:p>
+              <a:p>
+                <a:endParaRPr lang="en-US" altLang="zh-CN" sz="2400" dirty="0"/>
+              </a:p>
+              <a:p>
+                <a:r>
+                  <a:rPr lang="en-US" altLang="zh-CN" sz="2400" dirty="0"/>
+                  <a:t>This is like climbing a mountain.</a:t>
+                </a:r>
+                <a:endParaRPr lang="zh-CN" altLang="en-US" sz="2400" dirty="0"/>
+              </a:p>
+            </p:txBody>
+          </p:sp>
+        </mc:Choice>
+        <mc:Fallback xmlns="">
+          <p:sp>
+            <p:nvSpPr>
+              <p:cNvPr id="6" name="文本框 5">
+                <a:extLst>
+                  <a:ext uri="{FF2B5EF4-FFF2-40B4-BE49-F238E27FC236}">
+                    <a16:creationId xmlns:a16="http://schemas.microsoft.com/office/drawing/2014/main" id="{849639C6-CF1E-99F1-87A5-5515EE73FCE2}"/>
+                  </a:ext>
+                </a:extLst>
+              </p:cNvPr>
+              <p:cNvSpPr txBox="1">
+                <a:spLocks noRot="1" noChangeAspect="1" noMove="1" noResize="1" noEditPoints="1" noAdjustHandles="1" noChangeArrowheads="1" noChangeShapeType="1" noTextEdit="1"/>
+              </p:cNvSpPr>
+              <p:nvPr/>
+            </p:nvSpPr>
+            <p:spPr>
+              <a:xfrm>
+                <a:off x="898070" y="1494557"/>
+                <a:ext cx="5056415" cy="4865434"/>
+              </a:xfrm>
+              <a:prstGeom prst="rect">
+                <a:avLst/>
+              </a:prstGeom>
+              <a:blipFill>
+                <a:blip r:embed="rId3"/>
+                <a:stretch>
+                  <a:fillRect l="-1807" t="-1128" r="-2169" b="-1880"/>
+                </a:stretch>
+              </a:blipFill>
+            </p:spPr>
+            <p:txBody>
+              <a:bodyPr/>
+              <a:lstStyle/>
+              <a:p>
+                <a:r>
+                  <a:rPr lang="zh-CN" altLang="en-US">
+                    <a:noFill/>
+                  </a:rPr>
+                  <a:t> </a:t>
+                </a:r>
+              </a:p>
+            </p:txBody>
+          </p:sp>
+        </mc:Fallback>
+      </mc:AlternateContent>
+      <p:pic>
+        <p:nvPicPr>
+          <p:cNvPr id="4" name="图片 3">
+            <a:extLst>
+              <a:ext uri="{FF2B5EF4-FFF2-40B4-BE49-F238E27FC236}">
+                <a16:creationId xmlns:a16="http://schemas.microsoft.com/office/drawing/2014/main" id="{EEC5F05E-6116-1B8E-9CA0-4D1833D09100}"/>
+              </a:ext>
+            </a:extLst>
+          </p:cNvPr>
+          <p:cNvPicPr>
+            <a:picLocks noChangeAspect="1"/>
+          </p:cNvPicPr>
+          <p:nvPr/>
+        </p:nvPicPr>
+        <p:blipFill>
+          <a:blip r:embed="rId4"/>
+          <a:stretch>
+            <a:fillRect/>
+          </a:stretch>
+        </p:blipFill>
+        <p:spPr>
+          <a:xfrm>
+            <a:off x="6045241" y="1950779"/>
+            <a:ext cx="6146759" cy="3136801"/>
+          </a:xfrm>
+          <a:prstGeom prst="rect">
+            <a:avLst/>
+          </a:prstGeom>
+        </p:spPr>
+      </p:pic>
+      <p:pic>
+        <p:nvPicPr>
+          <p:cNvPr id="5" name="图片 4">
+            <a:extLst>
+              <a:ext uri="{FF2B5EF4-FFF2-40B4-BE49-F238E27FC236}">
+                <a16:creationId xmlns:a16="http://schemas.microsoft.com/office/drawing/2014/main" id="{5CAB8CAC-87DD-45D3-53A7-7867C36ADC90}"/>
+              </a:ext>
+            </a:extLst>
+          </p:cNvPr>
+          <p:cNvPicPr>
+            <a:picLocks noChangeAspect="1"/>
+          </p:cNvPicPr>
+          <p:nvPr/>
+        </p:nvPicPr>
+        <p:blipFill>
+          <a:blip r:embed="rId5"/>
+          <a:stretch>
+            <a:fillRect/>
+          </a:stretch>
+        </p:blipFill>
+        <p:spPr>
+          <a:xfrm>
+            <a:off x="1859745" y="5363442"/>
+            <a:ext cx="2984533" cy="400543"/>
+          </a:xfrm>
+          <a:prstGeom prst="rect">
+            <a:avLst/>
+          </a:prstGeom>
+        </p:spPr>
+      </p:pic>
+    </p:spTree>
+    <p:extLst>
+      <p:ext uri="{BB962C8B-B14F-4D97-AF65-F5344CB8AC3E}">
+        <p14:creationId xmlns:p14="http://schemas.microsoft.com/office/powerpoint/2010/main" val="2904136013"/>
+      </p:ext>
+    </p:extLst>
+  </p:cSld>
+  <p:clrMapOvr>
+    <a:masterClrMapping/>
+  </p:clrMapOvr>
+</p:sld>
+</file>
+
+<file path=ppt/slides/slide23.xml><?xml version="1.0" encoding="utf-8"?>
+<p:sld xmlns:a="http://schemas.openxmlformats.org/drawingml/2006/main" xmlns:r="http://schemas.openxmlformats.org/officeDocument/2006/relationships" xmlns:p="http://schemas.openxmlformats.org/presentationml/2006/main">
+  <p:cSld>
+    <p:spTree>
+      <p:nvGrpSpPr>
+        <p:cNvPr id="1" name=""/>
+        <p:cNvGrpSpPr/>
+        <p:nvPr/>
+      </p:nvGrpSpPr>
+      <p:grpSpPr>
+        <a:xfrm>
+          <a:off x="0" y="0"/>
+          <a:ext cx="0" cy="0"/>
+          <a:chOff x="0" y="0"/>
+          <a:chExt cx="0" cy="0"/>
+        </a:xfrm>
+      </p:grpSpPr>
+      <p:sp>
+        <p:nvSpPr>
+          <p:cNvPr id="2" name="文本框 1">
+            <a:extLst>
+              <a:ext uri="{FF2B5EF4-FFF2-40B4-BE49-F238E27FC236}">
+                <a16:creationId xmlns:a16="http://schemas.microsoft.com/office/drawing/2014/main" id="{AE145251-C885-455A-ADFF-62B7F5CBB7B6}"/>
+              </a:ext>
+            </a:extLst>
+          </p:cNvPr>
+          <p:cNvSpPr txBox="1"/>
+          <p:nvPr/>
+        </p:nvSpPr>
+        <p:spPr>
+          <a:xfrm>
+            <a:off x="4086416" y="680357"/>
+            <a:ext cx="4019178" cy="707886"/>
+          </a:xfrm>
+          <a:prstGeom prst="rect">
+            <a:avLst/>
+          </a:prstGeom>
+          <a:noFill/>
+        </p:spPr>
+        <p:txBody>
+          <a:bodyPr wrap="none" rtlCol="0">
+            <a:spAutoFit/>
+          </a:bodyPr>
+          <a:lstStyle/>
+          <a:p>
+            <a:pPr algn="ctr"/>
+            <a:r>
+              <a:rPr lang="en-US" altLang="zh-CN" sz="4000" dirty="0"/>
+              <a:t>Round Compare</a:t>
+            </a:r>
+            <a:endParaRPr lang="zh-CN" altLang="en-US" sz="4000" dirty="0"/>
+          </a:p>
+        </p:txBody>
+      </p:sp>
+      <p:sp>
+        <p:nvSpPr>
+          <p:cNvPr id="6" name="文本框 5">
+            <a:extLst>
+              <a:ext uri="{FF2B5EF4-FFF2-40B4-BE49-F238E27FC236}">
+                <a16:creationId xmlns:a16="http://schemas.microsoft.com/office/drawing/2014/main" id="{849639C6-CF1E-99F1-87A5-5515EE73FCE2}"/>
+              </a:ext>
+            </a:extLst>
+          </p:cNvPr>
+          <p:cNvSpPr txBox="1"/>
+          <p:nvPr/>
+        </p:nvSpPr>
+        <p:spPr>
+          <a:xfrm>
+            <a:off x="898070" y="1494557"/>
+            <a:ext cx="9579430" cy="461665"/>
+          </a:xfrm>
+          <a:prstGeom prst="rect">
+            <a:avLst/>
+          </a:prstGeom>
+          <a:noFill/>
+        </p:spPr>
+        <p:txBody>
+          <a:bodyPr wrap="square" rtlCol="0">
+            <a:spAutoFit/>
+          </a:bodyPr>
+          <a:lstStyle/>
+          <a:p>
+            <a:r>
+              <a:rPr lang="en-US" altLang="zh-CN" sz="2400" dirty="0"/>
+              <a:t>It is shown that the first way of relaxation is better:</a:t>
+            </a:r>
+            <a:endParaRPr lang="zh-CN" altLang="en-US" sz="2400" dirty="0"/>
+          </a:p>
+        </p:txBody>
+      </p:sp>
+      <p:grpSp>
+        <p:nvGrpSpPr>
+          <p:cNvPr id="10" name="组合 9">
+            <a:extLst>
+              <a:ext uri="{FF2B5EF4-FFF2-40B4-BE49-F238E27FC236}">
+                <a16:creationId xmlns:a16="http://schemas.microsoft.com/office/drawing/2014/main" id="{CAB7D6DA-7FFE-6396-335C-235C403E3383}"/>
+              </a:ext>
+            </a:extLst>
+          </p:cNvPr>
+          <p:cNvGrpSpPr/>
+          <p:nvPr/>
+        </p:nvGrpSpPr>
+        <p:grpSpPr>
+          <a:xfrm>
+            <a:off x="1050094" y="2062536"/>
+            <a:ext cx="10091811" cy="2461573"/>
+            <a:chOff x="1120851" y="1420593"/>
+            <a:chExt cx="10091811" cy="2461573"/>
+          </a:xfrm>
+        </p:grpSpPr>
+        <p:pic>
+          <p:nvPicPr>
+            <p:cNvPr id="7" name="图片 6">
+              <a:extLst>
+                <a:ext uri="{FF2B5EF4-FFF2-40B4-BE49-F238E27FC236}">
+                  <a16:creationId xmlns:a16="http://schemas.microsoft.com/office/drawing/2014/main" id="{9EA63A3F-6807-D37B-BF09-18B545EF0AF0}"/>
+                </a:ext>
+              </a:extLst>
+            </p:cNvPr>
+            <p:cNvPicPr>
+              <a:picLocks noChangeAspect="1"/>
+            </p:cNvPicPr>
+            <p:nvPr/>
+          </p:nvPicPr>
+          <p:blipFill rotWithShape="1">
+            <a:blip r:embed="rId2"/>
+            <a:srcRect b="75018"/>
+            <a:stretch/>
+          </p:blipFill>
+          <p:spPr>
+            <a:xfrm>
+              <a:off x="1120851" y="1420593"/>
+              <a:ext cx="10091811" cy="1396794"/>
+            </a:xfrm>
+            <a:prstGeom prst="rect">
+              <a:avLst/>
+            </a:prstGeom>
+          </p:spPr>
+        </p:pic>
+        <p:pic>
+          <p:nvPicPr>
+            <p:cNvPr id="9" name="图片 8">
+              <a:extLst>
+                <a:ext uri="{FF2B5EF4-FFF2-40B4-BE49-F238E27FC236}">
+                  <a16:creationId xmlns:a16="http://schemas.microsoft.com/office/drawing/2014/main" id="{2D93A867-2DAE-CA50-D886-C47D34038E7B}"/>
+                </a:ext>
+              </a:extLst>
+            </p:cNvPr>
+            <p:cNvPicPr>
+              <a:picLocks noChangeAspect="1"/>
+            </p:cNvPicPr>
+            <p:nvPr/>
+          </p:nvPicPr>
+          <p:blipFill rotWithShape="1">
+            <a:blip r:embed="rId2"/>
+            <a:srcRect t="80956"/>
+            <a:stretch/>
+          </p:blipFill>
+          <p:spPr>
+            <a:xfrm>
+              <a:off x="1120851" y="2817387"/>
+              <a:ext cx="10091811" cy="1064779"/>
+            </a:xfrm>
+            <a:prstGeom prst="rect">
+              <a:avLst/>
+            </a:prstGeom>
+          </p:spPr>
+        </p:pic>
+      </p:grpSp>
+    </p:spTree>
+    <p:extLst>
+      <p:ext uri="{BB962C8B-B14F-4D97-AF65-F5344CB8AC3E}">
+        <p14:creationId xmlns:p14="http://schemas.microsoft.com/office/powerpoint/2010/main" val="3765774389"/>
+      </p:ext>
+    </p:extLst>
+  </p:cSld>
+  <p:clrMapOvr>
+    <a:masterClrMapping/>
+  </p:clrMapOvr>
+</p:sld>
+</file>
+
+<file path=ppt/slides/slide24.xml><?xml version="1.0" encoding="utf-8"?>
+<p:sld xmlns:a="http://schemas.openxmlformats.org/drawingml/2006/main" xmlns:r="http://schemas.openxmlformats.org/officeDocument/2006/relationships" xmlns:p="http://schemas.openxmlformats.org/presentationml/2006/main">
+  <p:cSld>
+    <p:spTree>
+      <p:nvGrpSpPr>
+        <p:cNvPr id="1" name=""/>
+        <p:cNvGrpSpPr/>
+        <p:nvPr/>
+      </p:nvGrpSpPr>
+      <p:grpSpPr>
+        <a:xfrm>
+          <a:off x="0" y="0"/>
+          <a:ext cx="0" cy="0"/>
+          <a:chOff x="0" y="0"/>
+          <a:chExt cx="0" cy="0"/>
+        </a:xfrm>
+      </p:grpSpPr>
+      <p:sp>
+        <p:nvSpPr>
+          <p:cNvPr id="2" name="文本框 1">
+            <a:extLst>
+              <a:ext uri="{FF2B5EF4-FFF2-40B4-BE49-F238E27FC236}">
+                <a16:creationId xmlns:a16="http://schemas.microsoft.com/office/drawing/2014/main" id="{E46EFD4D-0180-3851-7FCC-E2631130CEE3}"/>
+              </a:ext>
+            </a:extLst>
+          </p:cNvPr>
+          <p:cNvSpPr txBox="1"/>
+          <p:nvPr/>
+        </p:nvSpPr>
+        <p:spPr>
+          <a:xfrm>
+            <a:off x="4689171" y="1643743"/>
+            <a:ext cx="2813655" cy="707886"/>
+          </a:xfrm>
+          <a:prstGeom prst="rect">
+            <a:avLst/>
+          </a:prstGeom>
+          <a:noFill/>
+        </p:spPr>
+        <p:txBody>
+          <a:bodyPr wrap="none" rtlCol="0">
+            <a:spAutoFit/>
+          </a:bodyPr>
+          <a:lstStyle/>
+          <a:p>
+            <a:r>
+              <a:rPr lang="en-US" altLang="zh-CN" sz="4000" dirty="0"/>
+              <a:t>References</a:t>
+            </a:r>
+            <a:endParaRPr lang="zh-CN" altLang="en-US" sz="4000" dirty="0"/>
+          </a:p>
+        </p:txBody>
+      </p:sp>
+      <p:sp>
+        <p:nvSpPr>
+          <p:cNvPr id="4" name="文本框 3">
+            <a:extLst>
+              <a:ext uri="{FF2B5EF4-FFF2-40B4-BE49-F238E27FC236}">
+                <a16:creationId xmlns:a16="http://schemas.microsoft.com/office/drawing/2014/main" id="{52F90F64-6C0B-2744-F418-B4776BE43FE8}"/>
+              </a:ext>
+            </a:extLst>
+          </p:cNvPr>
+          <p:cNvSpPr txBox="1"/>
+          <p:nvPr/>
+        </p:nvSpPr>
+        <p:spPr>
+          <a:xfrm>
+            <a:off x="1924049" y="2911613"/>
+            <a:ext cx="8343900" cy="1200329"/>
+          </a:xfrm>
+          <a:prstGeom prst="rect">
+            <a:avLst/>
+          </a:prstGeom>
+          <a:noFill/>
+        </p:spPr>
+        <p:txBody>
+          <a:bodyPr wrap="square">
+            <a:spAutoFit/>
+          </a:bodyPr>
+          <a:lstStyle/>
+          <a:p>
+            <a:r>
+              <a:rPr lang="zh-CN" altLang="en-US" sz="2400" dirty="0"/>
+              <a:t>The Lagrangian Relaxation Method for Solving Integer Programming Problems</a:t>
+            </a:r>
+            <a:endParaRPr lang="en-US" altLang="zh-CN" sz="2400" dirty="0"/>
+          </a:p>
+          <a:p>
+            <a:r>
+              <a:rPr lang="en-US" altLang="zh-CN" sz="2400" dirty="0"/>
+              <a:t>https://en.wikipedia.org/wiki/Support_vector_machine</a:t>
+            </a:r>
+            <a:endParaRPr lang="zh-CN" altLang="en-US" sz="2400" dirty="0"/>
+          </a:p>
+        </p:txBody>
+      </p:sp>
+    </p:spTree>
+    <p:extLst>
+      <p:ext uri="{BB962C8B-B14F-4D97-AF65-F5344CB8AC3E}">
+        <p14:creationId xmlns:p14="http://schemas.microsoft.com/office/powerpoint/2010/main" val="3765259741"/>
       </p:ext>
     </p:extLst>
   </p:cSld>
@@ -19042,8 +20447,8 @@
           <a:chExt cx="0" cy="0"/>
         </a:xfrm>
       </p:grpSpPr>
-      <mc:AlternateContent xmlns:mc="http://schemas.openxmlformats.org/markup-compatibility/2006">
-        <mc:Choice xmlns:a14="http://schemas.microsoft.com/office/drawing/2010/main" Requires="a14">
+      <mc:AlternateContent xmlns:mc="http://schemas.openxmlformats.org/markup-compatibility/2006" xmlns:a14="http://schemas.microsoft.com/office/drawing/2010/main">
+        <mc:Choice Requires="a14">
           <p:sp>
             <p:nvSpPr>
               <p:cNvPr id="3" name="内容占位符 2">
@@ -19068,18 +20473,80 @@
               <a:lstStyle/>
               <a:p>
                 <a:r>
-                  <a:rPr lang="zh-CN" altLang="en-US" sz="2000" dirty="0"/>
-                  <a:t>距离</a:t>
+                  <a:rPr lang="en-US" altLang="zh-CN" sz="2000" dirty="0"/>
+                  <a:t>Calculating distance</a:t>
                 </a:r>
-                <a:endParaRPr lang="en-US" altLang="zh-CN" sz="2000" dirty="0"/>
               </a:p>
               <a:p>
                 <a:pPr marL="0" indent="0">
                   <a:buNone/>
                 </a:pPr>
                 <a:r>
-                  <a:rPr lang="zh-CN" altLang="en-US" sz="2000" dirty="0"/>
-                  <a:t>高维空间中点到超平面的距离可以表示为</a:t>
+                  <a:rPr lang="en-US" altLang="zh-CN" sz="2000" dirty="0"/>
+                  <a:t>The distance of a point x to a hyperplane </a:t>
+                </a:r>
+                <a14:m>
+                  <m:oMath xmlns:m="http://schemas.openxmlformats.org/officeDocument/2006/math">
+                    <m:sSup>
+                      <m:sSupPr>
+                        <m:ctrlPr>
+                          <a:rPr lang="en-US" altLang="zh-CN" sz="2000" i="1">
+                            <a:latin typeface="Cambria Math" panose="02040503050406030204" pitchFamily="18" charset="0"/>
+                          </a:rPr>
+                        </m:ctrlPr>
+                      </m:sSupPr>
+                      <m:e>
+                        <m:r>
+                          <a:rPr lang="en-US" altLang="zh-CN" sz="2000" i="1">
+                            <a:latin typeface="Cambria Math" panose="02040503050406030204" pitchFamily="18" charset="0"/>
+                          </a:rPr>
+                          <m:t>𝑤</m:t>
+                        </m:r>
+                      </m:e>
+                      <m:sup>
+                        <m:r>
+                          <a:rPr lang="en-US" altLang="zh-CN" sz="2000" i="1">
+                            <a:latin typeface="Cambria Math" panose="02040503050406030204" pitchFamily="18" charset="0"/>
+                          </a:rPr>
+                          <m:t>𝑇</m:t>
+                        </m:r>
+                      </m:sup>
+                    </m:sSup>
+                    <m:r>
+                      <a:rPr lang="en-US" altLang="zh-CN" sz="2000" i="1">
+                        <a:latin typeface="Cambria Math" panose="02040503050406030204" pitchFamily="18" charset="0"/>
+                      </a:rPr>
+                      <m:t>⋅</m:t>
+                    </m:r>
+                    <m:r>
+                      <a:rPr lang="en-US" altLang="zh-CN" sz="2000" i="1">
+                        <a:latin typeface="Cambria Math" panose="02040503050406030204" pitchFamily="18" charset="0"/>
+                      </a:rPr>
+                      <m:t>𝑥</m:t>
+                    </m:r>
+                    <m:r>
+                      <a:rPr lang="en-US" altLang="zh-CN" sz="2000" i="1">
+                        <a:latin typeface="Cambria Math" panose="02040503050406030204" pitchFamily="18" charset="0"/>
+                      </a:rPr>
+                      <m:t>+</m:t>
+                    </m:r>
+                    <m:r>
+                      <a:rPr lang="en-US" altLang="zh-CN" sz="2000" i="1">
+                        <a:latin typeface="Cambria Math" panose="02040503050406030204" pitchFamily="18" charset="0"/>
+                      </a:rPr>
+                      <m:t>𝑏</m:t>
+                    </m:r>
+                    <m:r>
+                      <a:rPr lang="en-US" altLang="zh-CN" sz="2000" i="1">
+                        <a:latin typeface="Cambria Math" panose="02040503050406030204" pitchFamily="18" charset="0"/>
+                      </a:rPr>
+                      <m:t>=0</m:t>
+                    </m:r>
+                  </m:oMath>
+                </a14:m>
+                <a:r>
+                  <a:rPr lang="en-US" altLang="zh-CN" sz="2000" dirty="0"/>
+                  <a:t> is  </a:t>
                 </a:r>
                 <a14:m>
                   <m:oMath xmlns:m="http://schemas.openxmlformats.org/officeDocument/2006/math">
@@ -19155,22 +20622,89 @@
                         </m:r>
                       </m:num>
                       <m:den>
+                        <m:d>
+                          <m:dPr>
+                            <m:begChr m:val="‖"/>
+                            <m:endChr m:val="‖"/>
+                            <m:ctrlPr>
+                              <a:rPr lang="en-US" altLang="zh-CN" sz="2000" i="1" dirty="0">
+                                <a:latin typeface="Cambria Math" panose="02040503050406030204" pitchFamily="18" charset="0"/>
+                              </a:rPr>
+                            </m:ctrlPr>
+                          </m:dPr>
+                          <m:e>
+                            <m:r>
+                              <m:rPr>
+                                <m:sty m:val="p"/>
+                              </m:rPr>
+                              <a:rPr lang="en-US" altLang="zh-CN" sz="2000" i="1" dirty="0">
+                                <a:latin typeface="Cambria Math" panose="02040503050406030204" pitchFamily="18" charset="0"/>
+                              </a:rPr>
+                              <m:t>w</m:t>
+                            </m:r>
+                          </m:e>
+                        </m:d>
+                      </m:den>
+                    </m:f>
+                  </m:oMath>
+                </a14:m>
+                <a:r>
+                  <a:rPr lang="zh-CN" altLang="en-US" sz="2000" dirty="0"/>
+                  <a:t>，</a:t>
+                </a:r>
+                <a:r>
+                  <a:rPr lang="en-US" altLang="zh-CN" sz="2000" dirty="0"/>
+                  <a:t>where </a:t>
+                </a:r>
+                <a14:m>
+                  <m:oMath xmlns:m="http://schemas.openxmlformats.org/officeDocument/2006/math">
+                    <m:d>
+                      <m:dPr>
+                        <m:begChr m:val="‖"/>
+                        <m:endChr m:val="‖"/>
+                        <m:ctrlPr>
+                          <a:rPr lang="en-US" altLang="zh-CN" sz="2000" b="0" i="1" dirty="0" smtClean="0">
+                            <a:latin typeface="Cambria Math" panose="02040503050406030204" pitchFamily="18" charset="0"/>
+                          </a:rPr>
+                        </m:ctrlPr>
+                      </m:dPr>
+                      <m:e>
                         <m:r>
+                          <m:rPr>
+                            <m:sty m:val="p"/>
+                          </m:rPr>
+                          <a:rPr lang="en-US" altLang="zh-CN" sz="2000" i="1" dirty="0">
+                            <a:latin typeface="Cambria Math" panose="02040503050406030204" pitchFamily="18" charset="0"/>
+                          </a:rPr>
+                          <m:t>w</m:t>
+                        </m:r>
+                      </m:e>
+                    </m:d>
+                    <m:r>
+                      <a:rPr lang="en-US" altLang="zh-CN" sz="2000" b="0" i="1" dirty="0" smtClean="0">
+                        <a:latin typeface="Cambria Math" panose="02040503050406030204" pitchFamily="18" charset="0"/>
+                      </a:rPr>
+                      <m:t>=</m:t>
+                    </m:r>
+                    <m:rad>
+                      <m:radPr>
+                        <m:degHide m:val="on"/>
+                        <m:ctrlPr>
                           <a:rPr lang="en-US" altLang="zh-CN" sz="2000" b="0" i="1" smtClean="0">
                             <a:latin typeface="Cambria Math" panose="02040503050406030204" pitchFamily="18" charset="0"/>
                           </a:rPr>
-                          <m:t>|</m:t>
-                        </m:r>
-                        <m:d>
-                          <m:dPr>
-                            <m:begChr m:val="|"/>
-                            <m:endChr m:val="|"/>
+                        </m:ctrlPr>
+                      </m:radPr>
+                      <m:deg/>
+                      <m:e>
+                        <m:sSubSup>
+                          <m:sSubSupPr>
                             <m:ctrlPr>
                               <a:rPr lang="en-US" altLang="zh-CN" sz="2000" b="0" i="1" smtClean="0">
                                 <a:latin typeface="Cambria Math" panose="02040503050406030204" pitchFamily="18" charset="0"/>
                               </a:rPr>
                             </m:ctrlPr>
-                          </m:dPr>
+                          </m:sSubSupPr>
                           <m:e>
                             <m:r>
                               <a:rPr lang="en-US" altLang="zh-CN" sz="2000" b="0" i="1" smtClean="0">
@@ -19179,128 +20713,106 @@
                               <m:t>𝑤</m:t>
                             </m:r>
                           </m:e>
-                        </m:d>
+                          <m:sub>
+                            <m:r>
+                              <a:rPr lang="en-US" altLang="zh-CN" sz="2000" b="0" i="1" smtClean="0">
+                                <a:latin typeface="Cambria Math" panose="02040503050406030204" pitchFamily="18" charset="0"/>
+                              </a:rPr>
+                              <m:t>1</m:t>
+                            </m:r>
+                          </m:sub>
+                          <m:sup>
+                            <m:r>
+                              <a:rPr lang="en-US" altLang="zh-CN" sz="2000" b="0" i="1" smtClean="0">
+                                <a:latin typeface="Cambria Math" panose="02040503050406030204" pitchFamily="18" charset="0"/>
+                              </a:rPr>
+                              <m:t>2</m:t>
+                            </m:r>
+                          </m:sup>
+                        </m:sSubSup>
                         <m:r>
                           <a:rPr lang="en-US" altLang="zh-CN" sz="2000" b="0" i="1" smtClean="0">
                             <a:latin typeface="Cambria Math" panose="02040503050406030204" pitchFamily="18" charset="0"/>
                           </a:rPr>
-                          <m:t>|</m:t>
+                          <m:t>+</m:t>
                         </m:r>
-                      </m:den>
-                    </m:f>
-                  </m:oMath>
-                </a14:m>
-                <a:r>
-                  <a:rPr lang="zh-CN" altLang="en-US" sz="2000" dirty="0"/>
-                  <a:t>，这里直线方程为</a:t>
-                </a:r>
-                <a14:m>
-                  <m:oMath xmlns:m="http://schemas.openxmlformats.org/officeDocument/2006/math">
-                    <m:sSup>
-                      <m:sSupPr>
-                        <m:ctrlPr>
-                          <a:rPr lang="en-US" altLang="zh-CN" sz="2000" i="1">
-                            <a:latin typeface="Cambria Math" panose="02040503050406030204" pitchFamily="18" charset="0"/>
-                          </a:rPr>
-                        </m:ctrlPr>
-                      </m:sSupPr>
-                      <m:e>
-                        <m:r>
-                          <a:rPr lang="en-US" altLang="zh-CN" sz="2000" i="1">
-                            <a:latin typeface="Cambria Math" panose="02040503050406030204" pitchFamily="18" charset="0"/>
-                          </a:rPr>
-                          <m:t>𝑤</m:t>
-                        </m:r>
-                      </m:e>
-                      <m:sup>
-                        <m:r>
-                          <a:rPr lang="en-US" altLang="zh-CN" sz="2000" i="1">
-                            <a:latin typeface="Cambria Math" panose="02040503050406030204" pitchFamily="18" charset="0"/>
-                          </a:rPr>
-                          <m:t>𝑇</m:t>
-                        </m:r>
-                      </m:sup>
-                    </m:sSup>
-                    <m:r>
-                      <a:rPr lang="en-US" altLang="zh-CN" sz="2000" i="1">
-                        <a:latin typeface="Cambria Math" panose="02040503050406030204" pitchFamily="18" charset="0"/>
-                      </a:rPr>
-                      <m:t>⋅</m:t>
-                    </m:r>
-                    <m:r>
-                      <a:rPr lang="en-US" altLang="zh-CN" sz="2000" i="1">
-                        <a:latin typeface="Cambria Math" panose="02040503050406030204" pitchFamily="18" charset="0"/>
-                      </a:rPr>
-                      <m:t>𝑥</m:t>
-                    </m:r>
-                    <m:r>
-                      <a:rPr lang="en-US" altLang="zh-CN" sz="2000" i="1">
-                        <a:latin typeface="Cambria Math" panose="02040503050406030204" pitchFamily="18" charset="0"/>
-                      </a:rPr>
-                      <m:t>+</m:t>
-                    </m:r>
-                    <m:r>
-                      <a:rPr lang="en-US" altLang="zh-CN" sz="2000" i="1">
-                        <a:latin typeface="Cambria Math" panose="02040503050406030204" pitchFamily="18" charset="0"/>
-                      </a:rPr>
-                      <m:t>𝑏</m:t>
-                    </m:r>
-                    <m:r>
-                      <a:rPr lang="en-US" altLang="zh-CN" sz="2000" b="0" i="1" smtClean="0">
-                        <a:latin typeface="Cambria Math" panose="02040503050406030204" pitchFamily="18" charset="0"/>
-                      </a:rPr>
-                      <m:t>=0</m:t>
-                    </m:r>
-                  </m:oMath>
-                </a14:m>
-                <a:r>
-                  <a:rPr lang="en-US" altLang="zh-CN" sz="2000" dirty="0"/>
-                  <a:t>, </a:t>
-                </a:r>
-                <a14:m>
-                  <m:oMath xmlns:m="http://schemas.openxmlformats.org/officeDocument/2006/math">
-                    <m:d>
-                      <m:dPr>
-                        <m:begChr m:val="|"/>
-                        <m:endChr m:val="|"/>
-                        <m:ctrlPr>
-                          <a:rPr lang="en-US" altLang="zh-CN" sz="2000" i="1">
-                            <a:latin typeface="Cambria Math" panose="02040503050406030204" pitchFamily="18" charset="0"/>
-                          </a:rPr>
-                        </m:ctrlPr>
-                      </m:dPr>
-                      <m:e>
-                        <m:d>
-                          <m:dPr>
-                            <m:begChr m:val="|"/>
-                            <m:endChr m:val="|"/>
+                        <m:sSubSup>
+                          <m:sSubSupPr>
                             <m:ctrlPr>
-                              <a:rPr lang="en-US" altLang="zh-CN" sz="2000" i="1">
+                              <a:rPr lang="en-US" altLang="zh-CN" sz="2000" b="0" i="1" smtClean="0">
                                 <a:latin typeface="Cambria Math" panose="02040503050406030204" pitchFamily="18" charset="0"/>
                               </a:rPr>
                             </m:ctrlPr>
-                          </m:dPr>
+                          </m:sSubSupPr>
                           <m:e>
                             <m:r>
-                              <a:rPr lang="en-US" altLang="zh-CN" sz="2000" i="1">
+                              <a:rPr lang="en-US" altLang="zh-CN" sz="2000" b="0" i="1" smtClean="0">
                                 <a:latin typeface="Cambria Math" panose="02040503050406030204" pitchFamily="18" charset="0"/>
                               </a:rPr>
                               <m:t>𝑤</m:t>
                             </m:r>
                           </m:e>
-                        </m:d>
+                          <m:sub>
+                            <m:r>
+                              <a:rPr lang="en-US" altLang="zh-CN" sz="2000" b="0" i="1" smtClean="0">
+                                <a:latin typeface="Cambria Math" panose="02040503050406030204" pitchFamily="18" charset="0"/>
+                              </a:rPr>
+                              <m:t>2</m:t>
+                            </m:r>
+                          </m:sub>
+                          <m:sup>
+                            <m:r>
+                              <a:rPr lang="en-US" altLang="zh-CN" sz="2000" b="0" i="1" smtClean="0">
+                                <a:latin typeface="Cambria Math" panose="02040503050406030204" pitchFamily="18" charset="0"/>
+                              </a:rPr>
+                              <m:t>2</m:t>
+                            </m:r>
+                          </m:sup>
+                        </m:sSubSup>
+                        <m:r>
+                          <a:rPr lang="en-US" altLang="zh-CN" sz="2000" b="0" i="1" smtClean="0">
+                            <a:latin typeface="Cambria Math" panose="02040503050406030204" pitchFamily="18" charset="0"/>
+                          </a:rPr>
+                          <m:t>+…+</m:t>
+                        </m:r>
+                        <m:sSubSup>
+                          <m:sSubSupPr>
+                            <m:ctrlPr>
+                              <a:rPr lang="en-US" altLang="zh-CN" sz="2000" b="0" i="1" smtClean="0">
+                                <a:latin typeface="Cambria Math" panose="02040503050406030204" pitchFamily="18" charset="0"/>
+                              </a:rPr>
+                            </m:ctrlPr>
+                          </m:sSubSupPr>
+                          <m:e>
+                            <m:r>
+                              <a:rPr lang="en-US" altLang="zh-CN" sz="2000" b="0" i="1" smtClean="0">
+                                <a:latin typeface="Cambria Math" panose="02040503050406030204" pitchFamily="18" charset="0"/>
+                              </a:rPr>
+                              <m:t>𝑤</m:t>
+                            </m:r>
+                          </m:e>
+                          <m:sub>
+                            <m:r>
+                              <a:rPr lang="en-US" altLang="zh-CN" sz="2000" b="0" i="1" smtClean="0">
+                                <a:latin typeface="Cambria Math" panose="02040503050406030204" pitchFamily="18" charset="0"/>
+                              </a:rPr>
+                              <m:t>𝑛</m:t>
+                            </m:r>
+                          </m:sub>
+                          <m:sup>
+                            <m:r>
+                              <a:rPr lang="en-US" altLang="zh-CN" sz="2000" b="0" i="1" smtClean="0">
+                                <a:latin typeface="Cambria Math" panose="02040503050406030204" pitchFamily="18" charset="0"/>
+                              </a:rPr>
+                              <m:t>2</m:t>
+                            </m:r>
+                          </m:sup>
+                        </m:sSubSup>
                       </m:e>
-                    </m:d>
+                    </m:rad>
                   </m:oMath>
                 </a14:m>
-                <a:r>
-                  <a:rPr lang="zh-CN" altLang="en-US" sz="2000" dirty="0"/>
-                  <a:t>是系数的平方和开根号</a:t>
-                </a:r>
-                <a:r>
-                  <a:rPr lang="en-US" altLang="zh-CN" sz="2000" dirty="0"/>
-                  <a:t>.</a:t>
-                </a:r>
+                <a:endParaRPr lang="en-US" altLang="zh-CN" sz="2000" dirty="0"/>
               </a:p>
               <a:p>
                 <a:pPr marL="0" indent="0">
@@ -19311,7 +20823,7 @@
             </p:txBody>
           </p:sp>
         </mc:Choice>
-        <mc:Fallback>
+        <mc:Fallback xmlns="">
           <p:sp>
             <p:nvSpPr>
               <p:cNvPr id="3" name="内容占位符 2">
@@ -19332,7 +20844,7 @@
               <a:blipFill>
                 <a:blip r:embed="rId2"/>
                 <a:stretch>
-                  <a:fillRect l="-1068" r="-97"/>
+                  <a:fillRect l="-1068"/>
                 </a:stretch>
               </a:blipFill>
             </p:spPr>
@@ -19373,9 +20885,10 @@
           <a:lstStyle/>
           <a:p>
             <a:r>
-              <a:rPr lang="zh-CN" altLang="en-US" dirty="0"/>
-              <a:t>基础知识</a:t>
+              <a:rPr lang="en-US" altLang="zh-CN" dirty="0"/>
+              <a:t>Basic Knowledge</a:t>
             </a:r>
+            <a:endParaRPr lang="zh-CN" altLang="en-US" dirty="0"/>
           </a:p>
         </p:txBody>
       </p:sp>
@@ -19409,8 +20922,8 @@
           <a:chExt cx="0" cy="0"/>
         </a:xfrm>
       </p:grpSpPr>
-      <mc:AlternateContent xmlns:mc="http://schemas.openxmlformats.org/markup-compatibility/2006">
-        <mc:Choice xmlns:a14="http://schemas.microsoft.com/office/drawing/2010/main" Requires="a14">
+      <mc:AlternateContent xmlns:mc="http://schemas.openxmlformats.org/markup-compatibility/2006" xmlns:a14="http://schemas.microsoft.com/office/drawing/2010/main">
+        <mc:Choice Requires="a14">
           <p:sp>
             <p:nvSpPr>
               <p:cNvPr id="3" name="内容占位符 2">
@@ -19549,7 +21062,7 @@
             </p:txBody>
           </p:sp>
         </mc:Choice>
-        <mc:Fallback>
+        <mc:Fallback xmlns="">
           <p:sp>
             <p:nvSpPr>
               <p:cNvPr id="3" name="内容占位符 2">
@@ -19615,9 +21128,10 @@
           <a:lstStyle/>
           <a:p>
             <a:r>
-              <a:rPr lang="zh-CN" altLang="en-US" dirty="0"/>
-              <a:t>问题定义</a:t>
+              <a:rPr lang="en-US" altLang="zh-CN" dirty="0"/>
+              <a:t>Problem Definition</a:t>
             </a:r>
+            <a:endParaRPr lang="zh-CN" altLang="en-US" dirty="0"/>
           </a:p>
         </p:txBody>
       </p:sp>
@@ -20243,15 +21757,7 @@
           <a:p>
             <a:r>
               <a:rPr lang="en-US" altLang="zh-CN" sz="2400" dirty="0"/>
-              <a:t>This is another way of “</a:t>
-            </a:r>
-            <a:r>
-              <a:rPr lang="en-US" altLang="zh-CN" sz="2400" dirty="0" err="1"/>
-              <a:t>constain</a:t>
-            </a:r>
-            <a:r>
-              <a:rPr lang="en-US" altLang="zh-CN" sz="2400" dirty="0"/>
-              <a:t>”</a:t>
+              <a:t>This is another way of “constrain”</a:t>
             </a:r>
           </a:p>
           <a:p>
@@ -20447,139 +21953,201 @@
           <a:chExt cx="0" cy="0"/>
         </a:xfrm>
       </p:grpSpPr>
-      <p:sp>
-        <p:nvSpPr>
-          <p:cNvPr id="3" name="文本框 2">
-            <a:extLst>
-              <a:ext uri="{FF2B5EF4-FFF2-40B4-BE49-F238E27FC236}">
-                <a16:creationId xmlns:a16="http://schemas.microsoft.com/office/drawing/2014/main" id="{EF2E8E08-D675-99F4-D97D-89A982741B95}"/>
-              </a:ext>
-            </a:extLst>
-          </p:cNvPr>
-          <p:cNvSpPr txBox="1"/>
-          <p:nvPr/>
-        </p:nvSpPr>
-        <p:spPr>
-          <a:xfrm>
-            <a:off x="1216429" y="1902625"/>
-            <a:ext cx="9759142" cy="4524315"/>
-          </a:xfrm>
-          <a:prstGeom prst="rect">
-            <a:avLst/>
-          </a:prstGeom>
-          <a:noFill/>
-        </p:spPr>
-        <p:txBody>
-          <a:bodyPr wrap="square" rtlCol="0">
-            <a:spAutoFit/>
-          </a:bodyPr>
-          <a:lstStyle/>
-          <a:p>
-            <a:r>
-              <a:rPr lang="en-US" altLang="zh-CN" sz="2400" dirty="0"/>
-              <a:t>                                is still </a:t>
-            </a:r>
-            <a:r>
-              <a:rPr lang="en-US" altLang="zh-CN" sz="2400" dirty="0">
-                <a:solidFill>
-                  <a:srgbClr val="FF0000"/>
-                </a:solidFill>
-              </a:rPr>
-              <a:t>hard</a:t>
-            </a:r>
-            <a:r>
-              <a:rPr lang="en-US" altLang="zh-CN" sz="2400" dirty="0"/>
-              <a:t> to solve. </a:t>
-            </a:r>
-          </a:p>
-          <a:p>
-            <a:endParaRPr lang="en-US" altLang="zh-CN" sz="2400" dirty="0"/>
-          </a:p>
-          <a:p>
-            <a:r>
-              <a:rPr lang="en-US" altLang="zh-CN" sz="2400" dirty="0"/>
-              <a:t>We can </a:t>
-            </a:r>
-            <a:r>
-              <a:rPr lang="en-US" altLang="zh-CN" sz="2400" dirty="0">
-                <a:solidFill>
-                  <a:srgbClr val="00B050"/>
-                </a:solidFill>
-              </a:rPr>
-              <a:t>relax</a:t>
-            </a:r>
-            <a:r>
-              <a:rPr lang="en-US" altLang="zh-CN" sz="2400" dirty="0"/>
-              <a:t> the function h into g:</a:t>
-            </a:r>
-          </a:p>
-          <a:p>
-            <a:r>
-              <a:rPr lang="en-US" altLang="zh-CN" sz="2400" dirty="0"/>
-              <a:t>Where mu is a large constant.</a:t>
-            </a:r>
-          </a:p>
-          <a:p>
-            <a:endParaRPr lang="en-US" altLang="zh-CN" sz="2400" dirty="0"/>
-          </a:p>
-          <a:p>
-            <a:r>
-              <a:rPr lang="en-US" altLang="zh-CN" sz="2400" dirty="0">
-                <a:solidFill>
-                  <a:srgbClr val="FF0000"/>
-                </a:solidFill>
-              </a:rPr>
-              <a:t>However</a:t>
-            </a:r>
-            <a:r>
-              <a:rPr lang="en-US" altLang="zh-CN" sz="2400" dirty="0"/>
-              <a:t>, in this case, the value of                                    still might exceed 0. To eliminate this problem, we convert the </a:t>
-            </a:r>
-            <a:r>
-              <a:rPr lang="en-US" altLang="zh-CN" sz="2400" dirty="0">
-                <a:solidFill>
-                  <a:srgbClr val="00B0F0"/>
-                </a:solidFill>
-              </a:rPr>
-              <a:t>constant</a:t>
-            </a:r>
-            <a:r>
-              <a:rPr lang="en-US" altLang="zh-CN" sz="2400" dirty="0"/>
-              <a:t> into a </a:t>
-            </a:r>
-            <a:r>
-              <a:rPr lang="en-US" altLang="zh-CN" sz="2400" dirty="0">
-                <a:solidFill>
-                  <a:srgbClr val="00B0F0"/>
-                </a:solidFill>
-              </a:rPr>
-              <a:t>variable</a:t>
-            </a:r>
-            <a:r>
-              <a:rPr lang="en-US" altLang="zh-CN" sz="2400" dirty="0"/>
-              <a:t> for every i: </a:t>
-            </a:r>
-          </a:p>
-          <a:p>
-            <a:endParaRPr lang="en-US" altLang="zh-CN" sz="2400" dirty="0"/>
-          </a:p>
-          <a:p>
-            <a:r>
-              <a:rPr lang="en-US" altLang="zh-CN" sz="2400" dirty="0"/>
-              <a:t>Then, consider this function:</a:t>
-            </a:r>
-          </a:p>
-          <a:p>
-            <a:endParaRPr lang="en-US" altLang="zh-CN" sz="2400" dirty="0"/>
-          </a:p>
-          <a:p>
-            <a:r>
-              <a:rPr lang="en-US" altLang="zh-CN" sz="2400" dirty="0"/>
-              <a:t>with </a:t>
-            </a:r>
-          </a:p>
-        </p:txBody>
-      </p:sp>
+      <mc:AlternateContent xmlns:mc="http://schemas.openxmlformats.org/markup-compatibility/2006" xmlns:a14="http://schemas.microsoft.com/office/drawing/2010/main">
+        <mc:Choice Requires="a14">
+          <p:sp>
+            <p:nvSpPr>
+              <p:cNvPr id="3" name="文本框 2">
+                <a:extLst>
+                  <a:ext uri="{FF2B5EF4-FFF2-40B4-BE49-F238E27FC236}">
+                    <a16:creationId xmlns:a16="http://schemas.microsoft.com/office/drawing/2014/main" id="{EF2E8E08-D675-99F4-D97D-89A982741B95}"/>
+                  </a:ext>
+                </a:extLst>
+              </p:cNvPr>
+              <p:cNvSpPr txBox="1"/>
+              <p:nvPr/>
+            </p:nvSpPr>
+            <p:spPr>
+              <a:xfrm>
+                <a:off x="1216429" y="1902625"/>
+                <a:ext cx="9759142" cy="4524315"/>
+              </a:xfrm>
+              <a:prstGeom prst="rect">
+                <a:avLst/>
+              </a:prstGeom>
+              <a:noFill/>
+            </p:spPr>
+            <p:txBody>
+              <a:bodyPr wrap="square" rtlCol="0">
+                <a:spAutoFit/>
+              </a:bodyPr>
+              <a:lstStyle/>
+              <a:p>
+                <a:r>
+                  <a:rPr lang="en-US" altLang="zh-CN" sz="2400" dirty="0"/>
+                  <a:t>                                is still </a:t>
+                </a:r>
+                <a:r>
+                  <a:rPr lang="en-US" altLang="zh-CN" sz="2400" dirty="0">
+                    <a:solidFill>
+                      <a:srgbClr val="FF0000"/>
+                    </a:solidFill>
+                  </a:rPr>
+                  <a:t>hard</a:t>
+                </a:r>
+                <a:r>
+                  <a:rPr lang="en-US" altLang="zh-CN" sz="2400" dirty="0"/>
+                  <a:t> to solve. </a:t>
+                </a:r>
+              </a:p>
+              <a:p>
+                <a:endParaRPr lang="en-US" altLang="zh-CN" sz="2400" dirty="0"/>
+              </a:p>
+              <a:p>
+                <a:r>
+                  <a:rPr lang="en-US" altLang="zh-CN" sz="2400" dirty="0"/>
+                  <a:t>We can </a:t>
+                </a:r>
+                <a:r>
+                  <a:rPr lang="en-US" altLang="zh-CN" sz="2400" dirty="0">
+                    <a:solidFill>
+                      <a:srgbClr val="00B050"/>
+                    </a:solidFill>
+                  </a:rPr>
+                  <a:t>relax</a:t>
+                </a:r>
+                <a:r>
+                  <a:rPr lang="en-US" altLang="zh-CN" sz="2400" dirty="0"/>
+                  <a:t> the function h into g:</a:t>
+                </a:r>
+              </a:p>
+              <a:p>
+                <a:r>
+                  <a:rPr lang="en-US" altLang="zh-CN" sz="2400" dirty="0"/>
+                  <a:t>Where </a:t>
+                </a:r>
+                <a14:m>
+                  <m:oMath xmlns:m="http://schemas.openxmlformats.org/officeDocument/2006/math">
+                    <m:r>
+                      <a:rPr lang="en-US" altLang="zh-CN" sz="2400" i="1" dirty="0" smtClean="0">
+                        <a:latin typeface="Cambria Math" panose="02040503050406030204" pitchFamily="18" charset="0"/>
+                      </a:rPr>
+                      <m:t>𝜇</m:t>
+                    </m:r>
+                  </m:oMath>
+                </a14:m>
+                <a:r>
+                  <a:rPr lang="en-US" altLang="zh-CN" sz="2400" dirty="0"/>
+                  <a:t> is a large constant.</a:t>
+                </a:r>
+              </a:p>
+              <a:p>
+                <a:endParaRPr lang="en-US" altLang="zh-CN" sz="2400" dirty="0"/>
+              </a:p>
+              <a:p>
+                <a:r>
+                  <a:rPr lang="en-US" altLang="zh-CN" sz="2400" dirty="0">
+                    <a:solidFill>
+                      <a:srgbClr val="FF0000"/>
+                    </a:solidFill>
+                  </a:rPr>
+                  <a:t>However</a:t>
+                </a:r>
+                <a:r>
+                  <a:rPr lang="en-US" altLang="zh-CN" sz="2400" dirty="0"/>
+                  <a:t>, in this case, the value of                                    still might exceed 0. To eliminate this problem, we convert the </a:t>
+                </a:r>
+                <a:r>
+                  <a:rPr lang="en-US" altLang="zh-CN" sz="2400" dirty="0">
+                    <a:solidFill>
+                      <a:srgbClr val="00B0F0"/>
+                    </a:solidFill>
+                  </a:rPr>
+                  <a:t>constant</a:t>
+                </a:r>
+                <a:r>
+                  <a:rPr lang="en-US" altLang="zh-CN" sz="2400" dirty="0"/>
+                  <a:t> into a </a:t>
+                </a:r>
+                <a:r>
+                  <a:rPr lang="en-US" altLang="zh-CN" sz="2400" dirty="0">
+                    <a:solidFill>
+                      <a:srgbClr val="00B0F0"/>
+                    </a:solidFill>
+                  </a:rPr>
+                  <a:t>variable</a:t>
+                </a:r>
+                <a:r>
+                  <a:rPr lang="en-US" altLang="zh-CN" sz="2400" dirty="0"/>
+                  <a:t> for every i: </a:t>
+                </a:r>
+              </a:p>
+              <a:p>
+                <a:endParaRPr lang="en-US" altLang="zh-CN" sz="2400" dirty="0"/>
+              </a:p>
+              <a:p>
+                <a:r>
+                  <a:rPr lang="en-US" altLang="zh-CN" sz="2400" dirty="0"/>
+                  <a:t>Then, consider this function:</a:t>
+                </a:r>
+              </a:p>
+              <a:p>
+                <a:endParaRPr lang="en-US" altLang="zh-CN" sz="2400" dirty="0"/>
+              </a:p>
+              <a:p>
+                <a:r>
+                  <a:rPr lang="en-US" altLang="zh-CN" sz="2400" dirty="0"/>
+                  <a:t>with </a:t>
+                </a:r>
+              </a:p>
+            </p:txBody>
+          </p:sp>
+        </mc:Choice>
+        <mc:Fallback xmlns="">
+          <p:sp>
+            <p:nvSpPr>
+              <p:cNvPr id="3" name="文本框 2">
+                <a:extLst>
+                  <a:ext uri="{FF2B5EF4-FFF2-40B4-BE49-F238E27FC236}">
+                    <a16:creationId xmlns:a16="http://schemas.microsoft.com/office/drawing/2014/main" id="{EF2E8E08-D675-99F4-D97D-89A982741B95}"/>
+                  </a:ext>
+                </a:extLst>
+              </p:cNvPr>
+              <p:cNvSpPr txBox="1">
+                <a:spLocks noRot="1" noChangeAspect="1" noMove="1" noResize="1" noEditPoints="1" noAdjustHandles="1" noChangeArrowheads="1" noChangeShapeType="1" noTextEdit="1"/>
+              </p:cNvSpPr>
+              <p:nvPr/>
+            </p:nvSpPr>
+            <p:spPr>
+              <a:xfrm>
+                <a:off x="1216429" y="1902625"/>
+                <a:ext cx="9759142" cy="4524315"/>
+              </a:xfrm>
+              <a:prstGeom prst="rect">
+                <a:avLst/>
+              </a:prstGeom>
+              <a:blipFill>
+                <a:blip r:embed="rId2"/>
+                <a:stretch>
+                  <a:fillRect l="-1000" t="-1213" b="-2022"/>
+                </a:stretch>
+              </a:blipFill>
+            </p:spPr>
+            <p:txBody>
+              <a:bodyPr/>
+              <a:lstStyle/>
+              <a:p>
+                <a:r>
+                  <a:rPr lang="zh-CN" altLang="en-US">
+                    <a:noFill/>
+                  </a:rPr>
+                  <a:t> </a:t>
+                </a:r>
+              </a:p>
+            </p:txBody>
+          </p:sp>
+        </mc:Fallback>
+      </mc:AlternateContent>
       <p:sp>
         <p:nvSpPr>
           <p:cNvPr id="13" name="文本框 12">
@@ -20632,7 +22200,7 @@
           <p:nvPr/>
         </p:nvPicPr>
         <p:blipFill rotWithShape="1">
-          <a:blip r:embed="rId2"/>
+          <a:blip r:embed="rId3"/>
           <a:srcRect t="4869"/>
           <a:stretch/>
         </p:blipFill>
@@ -20661,7 +22229,7 @@
           <p:nvPr/>
         </p:nvPicPr>
         <p:blipFill>
-          <a:blip r:embed="rId3"/>
+          <a:blip r:embed="rId4"/>
           <a:stretch>
             <a:fillRect/>
           </a:stretch>
@@ -20691,7 +22259,7 @@
           <p:nvPr/>
         </p:nvPicPr>
         <p:blipFill>
-          <a:blip r:embed="rId4"/>
+          <a:blip r:embed="rId5"/>
           <a:stretch>
             <a:fillRect/>
           </a:stretch>
@@ -20721,7 +22289,7 @@
           <p:nvPr/>
         </p:nvPicPr>
         <p:blipFill rotWithShape="1">
-          <a:blip r:embed="rId5"/>
+          <a:blip r:embed="rId6"/>
           <a:srcRect t="15888"/>
           <a:stretch/>
         </p:blipFill>
@@ -20750,7 +22318,7 @@
           <p:nvPr/>
         </p:nvPicPr>
         <p:blipFill>
-          <a:blip r:embed="rId6"/>
+          <a:blip r:embed="rId7"/>
           <a:stretch>
             <a:fillRect/>
           </a:stretch>
@@ -20780,7 +22348,7 @@
           <p:nvPr/>
         </p:nvPicPr>
         <p:blipFill>
-          <a:blip r:embed="rId7"/>
+          <a:blip r:embed="rId8"/>
           <a:stretch>
             <a:fillRect/>
           </a:stretch>
